--- a/Чат-бот абитуриента.pptx
+++ b/Чат-бот абитуриента.pptx
@@ -5,7 +5,7 @@
     <p:sldMasterId id="2147483648" r:id="rId1"/>
   </p:sldMasterIdLst>
   <p:notesMasterIdLst>
-    <p:notesMasterId r:id="rId18"/>
+    <p:notesMasterId r:id="rId19"/>
   </p:notesMasterIdLst>
   <p:sldIdLst>
     <p:sldId id="256" r:id="rId2"/>
@@ -22,8 +22,9 @@
     <p:sldId id="270" r:id="rId13"/>
     <p:sldId id="268" r:id="rId14"/>
     <p:sldId id="271" r:id="rId15"/>
-    <p:sldId id="265" r:id="rId16"/>
-    <p:sldId id="264" r:id="rId17"/>
+    <p:sldId id="272" r:id="rId16"/>
+    <p:sldId id="265" r:id="rId17"/>
+    <p:sldId id="264" r:id="rId18"/>
   </p:sldIdLst>
   <p:sldSz cx="12192000" cy="6858000"/>
   <p:notesSz cx="6858000" cy="9144000"/>
@@ -212,7 +213,7 @@
           <a:p>
             <a:fld id="{7EBF024C-40DE-4251-82B8-AADD9C05F3A2}" type="datetimeFigureOut">
               <a:rPr lang="ru-RU" smtClean="0"/>
-              <a:t>07.05.2022</a:t>
+              <a:t>23.05.2022</a:t>
             </a:fld>
             <a:endParaRPr lang="ru-RU"/>
           </a:p>
@@ -648,7 +649,7 @@
           <a:p>
             <a:fld id="{37BBD0FB-8BB3-478C-B40C-2881E8919EAE}" type="datetime1">
               <a:rPr lang="en-US" smtClean="0"/>
-              <a:t>5/7/2022</a:t>
+              <a:t>5/23/2022</a:t>
             </a:fld>
             <a:endParaRPr lang="en-US" dirty="0"/>
           </a:p>
@@ -974,7 +975,7 @@
           <a:p>
             <a:fld id="{0E6E9911-DE5E-4F5D-8E44-A72F7A8FB404}" type="datetime1">
               <a:rPr lang="en-US" smtClean="0"/>
-              <a:t>5/7/2022</a:t>
+              <a:t>5/23/2022</a:t>
             </a:fld>
             <a:endParaRPr lang="en-US" dirty="0"/>
           </a:p>
@@ -1149,7 +1150,7 @@
           <a:p>
             <a:fld id="{71386979-0F93-4AFB-AB47-1ACD324DBB29}" type="datetime1">
               <a:rPr lang="en-US" smtClean="0"/>
-              <a:t>5/7/2022</a:t>
+              <a:t>5/23/2022</a:t>
             </a:fld>
             <a:endParaRPr lang="en-US" dirty="0"/>
           </a:p>
@@ -1314,7 +1315,7 @@
           <a:p>
             <a:fld id="{DFF4B4EB-EA43-4297-97FB-654ED122C76B}" type="datetime1">
               <a:rPr lang="en-US" smtClean="0"/>
-              <a:t>5/7/2022</a:t>
+              <a:t>5/23/2022</a:t>
             </a:fld>
             <a:endParaRPr lang="en-US" dirty="0"/>
           </a:p>
@@ -1586,7 +1587,7 @@
           <a:p>
             <a:fld id="{F6CE7E11-1409-40CD-A687-FFA62CA04DE3}" type="datetime1">
               <a:rPr lang="en-US" smtClean="0"/>
-              <a:t>5/7/2022</a:t>
+              <a:t>5/23/2022</a:t>
             </a:fld>
             <a:endParaRPr lang="en-US" dirty="0"/>
           </a:p>
@@ -1976,7 +1977,7 @@
           <a:p>
             <a:fld id="{5BDD2DE9-3F0D-4CCD-B816-CD124F7C15C1}" type="datetime1">
               <a:rPr lang="en-US" smtClean="0"/>
-              <a:t>5/7/2022</a:t>
+              <a:t>5/23/2022</a:t>
             </a:fld>
             <a:endParaRPr lang="en-US" dirty="0"/>
           </a:p>
@@ -2448,7 +2449,7 @@
           <a:p>
             <a:fld id="{2B2A4EAD-6E04-46AB-93BC-D2E168DA6BE1}" type="datetime1">
               <a:rPr lang="en-US" smtClean="0"/>
-              <a:t>5/7/2022</a:t>
+              <a:t>5/23/2022</a:t>
             </a:fld>
             <a:endParaRPr lang="en-US" dirty="0"/>
           </a:p>
@@ -2561,7 +2562,7 @@
           <a:p>
             <a:fld id="{A75EDEDD-0FAD-4AC6-8878-F1B28E665335}" type="datetime1">
               <a:rPr lang="en-US" smtClean="0"/>
-              <a:t>5/7/2022</a:t>
+              <a:t>5/23/2022</a:t>
             </a:fld>
             <a:endParaRPr lang="en-US" dirty="0"/>
           </a:p>
@@ -2651,7 +2652,7 @@
           <a:p>
             <a:fld id="{E05E0143-C572-4EFD-98D5-2940496992E6}" type="datetime1">
               <a:rPr lang="en-US" smtClean="0"/>
-              <a:t>5/7/2022</a:t>
+              <a:t>5/23/2022</a:t>
             </a:fld>
             <a:endParaRPr lang="en-US" dirty="0"/>
           </a:p>
@@ -2992,7 +2993,7 @@
           <a:p>
             <a:fld id="{E895A535-64F4-460C-A8EC-C95B97FA828D}" type="datetime1">
               <a:rPr lang="en-US" smtClean="0"/>
-              <a:t>5/7/2022</a:t>
+              <a:t>5/23/2022</a:t>
             </a:fld>
             <a:endParaRPr lang="en-US" dirty="0"/>
           </a:p>
@@ -3376,7 +3377,7 @@
           <a:p>
             <a:fld id="{2C1FA681-F6C0-4071-8573-471505111450}" type="datetime1">
               <a:rPr lang="en-US" smtClean="0"/>
-              <a:t>5/7/2022</a:t>
+              <a:t>5/23/2022</a:t>
             </a:fld>
             <a:endParaRPr lang="en-US" dirty="0"/>
           </a:p>
@@ -3650,7 +3651,7 @@
           <a:p>
             <a:fld id="{9D586F69-BEFA-4965-B069-D3808E633C73}" type="datetime1">
               <a:rPr lang="en-US" smtClean="0"/>
-              <a:t>5/7/2022</a:t>
+              <a:t>5/23/2022</a:t>
             </a:fld>
             <a:endParaRPr lang="en-US" dirty="0"/>
           </a:p>
@@ -5018,13 +5019,13 @@
         </p:nvSpPr>
         <p:spPr>
           <a:xfrm>
-            <a:off x="1371600" y="1638300"/>
-            <a:ext cx="9601200" cy="3581400"/>
+            <a:off x="1371600" y="1638299"/>
+            <a:ext cx="9601200" cy="4294667"/>
           </a:xfrm>
         </p:spPr>
         <p:txBody>
           <a:bodyPr>
-            <a:normAutofit fontScale="92500" lnSpcReduction="10000"/>
+            <a:normAutofit lnSpcReduction="10000"/>
           </a:bodyPr>
           <a:lstStyle/>
           <a:p>
@@ -5063,6 +5064,12 @@
             <a:r>
               <a:rPr lang="ru-RU" dirty="0"/>
               <a:t>+</a:t>
+            </a:r>
+          </a:p>
+          <a:p>
+            <a:r>
+              <a:rPr lang="ru-RU" dirty="0"/>
+              <a:t>Оперативная память – 100мб+</a:t>
             </a:r>
           </a:p>
           <a:p>
@@ -5238,6 +5245,345 @@
           <p:cNvPr id="2" name="Заголовок 1">
             <a:extLst>
               <a:ext uri="{FF2B5EF4-FFF2-40B4-BE49-F238E27FC236}">
+                <a16:creationId xmlns:a16="http://schemas.microsoft.com/office/drawing/2014/main" id="{F59CD1E1-A35B-47B9-8936-80BC981F42DF}"/>
+              </a:ext>
+            </a:extLst>
+          </p:cNvPr>
+          <p:cNvSpPr>
+            <a:spLocks noGrp="1"/>
+          </p:cNvSpPr>
+          <p:nvPr>
+            <p:ph type="title"/>
+          </p:nvPr>
+        </p:nvSpPr>
+        <p:spPr/>
+        <p:txBody>
+          <a:bodyPr/>
+          <a:lstStyle/>
+          <a:p>
+            <a:r>
+              <a:rPr lang="ru-RU" dirty="0"/>
+              <a:t>Настройка деплоя на </a:t>
+            </a:r>
+            <a:r>
+              <a:rPr lang="en-US" dirty="0" err="1"/>
+              <a:t>linux</a:t>
+            </a:r>
+            <a:r>
+              <a:rPr lang="en-US" dirty="0"/>
+              <a:t> </a:t>
+            </a:r>
+            <a:r>
+              <a:rPr lang="ru-RU" dirty="0"/>
+              <a:t>системы</a:t>
+            </a:r>
+          </a:p>
+        </p:txBody>
+      </p:sp>
+      <p:sp>
+        <p:nvSpPr>
+          <p:cNvPr id="3" name="Объект 2">
+            <a:extLst>
+              <a:ext uri="{FF2B5EF4-FFF2-40B4-BE49-F238E27FC236}">
+                <a16:creationId xmlns:a16="http://schemas.microsoft.com/office/drawing/2014/main" id="{CA8BFFD4-84E1-4CFE-9A25-60BD6959060F}"/>
+              </a:ext>
+            </a:extLst>
+          </p:cNvPr>
+          <p:cNvSpPr>
+            <a:spLocks noGrp="1"/>
+          </p:cNvSpPr>
+          <p:nvPr>
+            <p:ph idx="1"/>
+          </p:nvPr>
+        </p:nvSpPr>
+        <p:spPr>
+          <a:xfrm>
+            <a:off x="1371600" y="1428750"/>
+            <a:ext cx="9601200" cy="3581400"/>
+          </a:xfrm>
+        </p:spPr>
+        <p:txBody>
+          <a:bodyPr>
+            <a:normAutofit/>
+          </a:bodyPr>
+          <a:lstStyle/>
+          <a:p>
+            <a:pPr marL="0" indent="0">
+              <a:buNone/>
+            </a:pPr>
+            <a:endParaRPr lang="ru-RU" dirty="0"/>
+          </a:p>
+          <a:p>
+            <a:r>
+              <a:rPr lang="ru-RU" dirty="0"/>
+              <a:t>1) Скачать репозиторий с помощью (</a:t>
+            </a:r>
+            <a:r>
+              <a:rPr lang="en-US" dirty="0"/>
+              <a:t>git clone</a:t>
+            </a:r>
+            <a:r>
+              <a:rPr lang="ru-RU" dirty="0"/>
+              <a:t>)</a:t>
+            </a:r>
+          </a:p>
+          <a:p>
+            <a:r>
+              <a:rPr lang="ru-RU" dirty="0"/>
+              <a:t>2) Зайти в папку с проектом и установить зависимости с помощью </a:t>
+            </a:r>
+            <a:r>
+              <a:rPr lang="en-US" dirty="0" err="1"/>
+              <a:t>npm</a:t>
+            </a:r>
+            <a:r>
+              <a:rPr lang="en-US" dirty="0"/>
+              <a:t> I</a:t>
+            </a:r>
+            <a:endParaRPr lang="ru-RU" dirty="0"/>
+          </a:p>
+          <a:p>
+            <a:r>
+              <a:rPr lang="ru-RU" dirty="0"/>
+              <a:t>3) Переименовать файл </a:t>
+            </a:r>
+            <a:r>
+              <a:rPr lang="en-US" dirty="0"/>
+              <a:t>env</a:t>
+            </a:r>
+            <a:r>
+              <a:rPr lang="ru-RU" dirty="0"/>
+              <a:t>.</a:t>
+            </a:r>
+            <a:r>
+              <a:rPr lang="en-US" dirty="0"/>
+              <a:t>example</a:t>
+            </a:r>
+            <a:r>
+              <a:rPr lang="ru-RU" dirty="0"/>
+              <a:t>.</a:t>
+            </a:r>
+            <a:r>
+              <a:rPr lang="en-US" dirty="0"/>
+              <a:t>json</a:t>
+            </a:r>
+            <a:r>
+              <a:rPr lang="ru-RU" dirty="0"/>
+              <a:t> в </a:t>
+            </a:r>
+            <a:r>
+              <a:rPr lang="en-US" dirty="0"/>
+              <a:t>env</a:t>
+            </a:r>
+            <a:r>
+              <a:rPr lang="ru-RU" dirty="0"/>
+              <a:t>.</a:t>
+            </a:r>
+            <a:r>
+              <a:rPr lang="en-US" dirty="0"/>
+              <a:t>json</a:t>
+            </a:r>
+            <a:r>
+              <a:rPr lang="ru-RU" dirty="0"/>
+              <a:t> и добавить токен (</a:t>
+            </a:r>
+            <a:r>
+              <a:rPr lang="en-US" dirty="0"/>
+              <a:t>mv env</a:t>
+            </a:r>
+            <a:r>
+              <a:rPr lang="ru-RU" dirty="0"/>
+              <a:t>.</a:t>
+            </a:r>
+            <a:r>
+              <a:rPr lang="en-US" dirty="0"/>
+              <a:t>example</a:t>
+            </a:r>
+            <a:r>
+              <a:rPr lang="ru-RU" dirty="0"/>
+              <a:t>.</a:t>
+            </a:r>
+            <a:r>
+              <a:rPr lang="en-US" dirty="0"/>
+              <a:t>json env</a:t>
+            </a:r>
+            <a:r>
+              <a:rPr lang="ru-RU" dirty="0"/>
+              <a:t>.</a:t>
+            </a:r>
+            <a:r>
+              <a:rPr lang="en-US" dirty="0"/>
+              <a:t>json</a:t>
+            </a:r>
+            <a:r>
+              <a:rPr lang="ru-RU" dirty="0"/>
+              <a:t>)</a:t>
+            </a:r>
+          </a:p>
+          <a:p>
+            <a:r>
+              <a:rPr lang="ru-RU" dirty="0"/>
+              <a:t>4) Запустить процесс с помощью </a:t>
+            </a:r>
+            <a:r>
+              <a:rPr lang="en-US" dirty="0"/>
+              <a:t>pm</a:t>
+            </a:r>
+            <a:r>
+              <a:rPr lang="ru-RU" dirty="0"/>
+              <a:t>2 (</a:t>
+            </a:r>
+            <a:r>
+              <a:rPr lang="en-US" dirty="0"/>
+              <a:t>pm</a:t>
+            </a:r>
+            <a:r>
+              <a:rPr lang="ru-RU" dirty="0"/>
+              <a:t>2 </a:t>
+            </a:r>
+            <a:r>
+              <a:rPr lang="en-US" dirty="0"/>
+              <a:t>start</a:t>
+            </a:r>
+            <a:r>
+              <a:rPr lang="ru-RU" dirty="0"/>
+              <a:t> –</a:t>
+            </a:r>
+            <a:r>
+              <a:rPr lang="en-US" dirty="0"/>
+              <a:t>name </a:t>
+            </a:r>
+            <a:r>
+              <a:rPr lang="en-US" dirty="0" err="1"/>
+              <a:t>tg</a:t>
+            </a:r>
+            <a:r>
+              <a:rPr lang="ru-RU" dirty="0"/>
+              <a:t>-</a:t>
+            </a:r>
+            <a:r>
+              <a:rPr lang="en-US" dirty="0"/>
+              <a:t>bot </a:t>
+            </a:r>
+            <a:r>
+              <a:rPr lang="en-US" dirty="0" err="1"/>
+              <a:t>npm</a:t>
+            </a:r>
+            <a:r>
+              <a:rPr lang="ru-RU" dirty="0"/>
+              <a:t> -- </a:t>
+            </a:r>
+            <a:r>
+              <a:rPr lang="en-US" dirty="0"/>
+              <a:t>start</a:t>
+            </a:r>
+            <a:r>
+              <a:rPr lang="ru-RU" dirty="0"/>
+              <a:t>)</a:t>
+            </a:r>
+          </a:p>
+          <a:p>
+            <a:endParaRPr lang="ru-RU" dirty="0"/>
+          </a:p>
+          <a:p>
+            <a:endParaRPr lang="ru-RU" dirty="0"/>
+          </a:p>
+        </p:txBody>
+      </p:sp>
+      <p:sp>
+        <p:nvSpPr>
+          <p:cNvPr id="4" name="Номер слайда 3">
+            <a:extLst>
+              <a:ext uri="{FF2B5EF4-FFF2-40B4-BE49-F238E27FC236}">
+                <a16:creationId xmlns:a16="http://schemas.microsoft.com/office/drawing/2014/main" id="{A484C5EC-85AA-4048-ABFD-D1FA4C63CF4E}"/>
+              </a:ext>
+            </a:extLst>
+          </p:cNvPr>
+          <p:cNvSpPr>
+            <a:spLocks noGrp="1"/>
+          </p:cNvSpPr>
+          <p:nvPr>
+            <p:ph type="sldNum" sz="quarter" idx="12"/>
+          </p:nvPr>
+        </p:nvSpPr>
+        <p:spPr/>
+        <p:txBody>
+          <a:bodyPr/>
+          <a:lstStyle/>
+          <a:p>
+            <a:fld id="{69E57DC2-970A-4B3E-BB1C-7A09969E49DF}" type="slidenum">
+              <a:rPr lang="en-US" smtClean="0"/>
+              <a:t>15</a:t>
+            </a:fld>
+            <a:endParaRPr lang="en-US" dirty="0"/>
+          </a:p>
+        </p:txBody>
+      </p:sp>
+      <p:pic>
+        <p:nvPicPr>
+          <p:cNvPr id="5" name="Рисунок 4">
+            <a:extLst>
+              <a:ext uri="{FF2B5EF4-FFF2-40B4-BE49-F238E27FC236}">
+                <a16:creationId xmlns:a16="http://schemas.microsoft.com/office/drawing/2014/main" id="{E36DA254-C5FF-420C-91C8-2056F993F306}"/>
+              </a:ext>
+            </a:extLst>
+          </p:cNvPr>
+          <p:cNvPicPr>
+            <a:picLocks noChangeAspect="1"/>
+          </p:cNvPicPr>
+          <p:nvPr/>
+        </p:nvPicPr>
+        <p:blipFill>
+          <a:blip r:embed="rId2"/>
+          <a:stretch>
+            <a:fillRect/>
+          </a:stretch>
+        </p:blipFill>
+        <p:spPr>
+          <a:xfrm>
+            <a:off x="1032745" y="4116041"/>
+            <a:ext cx="10278909" cy="628738"/>
+          </a:xfrm>
+          <a:prstGeom prst="rect">
+            <a:avLst/>
+          </a:prstGeom>
+        </p:spPr>
+      </p:pic>
+    </p:spTree>
+    <p:extLst>
+      <p:ext uri="{BB962C8B-B14F-4D97-AF65-F5344CB8AC3E}">
+        <p14:creationId xmlns:p14="http://schemas.microsoft.com/office/powerpoint/2010/main" val="595777635"/>
+      </p:ext>
+    </p:extLst>
+  </p:cSld>
+  <p:clrMapOvr>
+    <a:masterClrMapping/>
+  </p:clrMapOvr>
+</p:sld>
+</file>
+
+<file path=ppt/slides/slide16.xml><?xml version="1.0" encoding="utf-8"?>
+<p:sld xmlns:a="http://schemas.openxmlformats.org/drawingml/2006/main" xmlns:r="http://schemas.openxmlformats.org/officeDocument/2006/relationships" xmlns:p="http://schemas.openxmlformats.org/presentationml/2006/main">
+  <p:cSld>
+    <p:spTree>
+      <p:nvGrpSpPr>
+        <p:cNvPr id="1" name=""/>
+        <p:cNvGrpSpPr/>
+        <p:nvPr/>
+      </p:nvGrpSpPr>
+      <p:grpSpPr>
+        <a:xfrm>
+          <a:off x="0" y="0"/>
+          <a:ext cx="0" cy="0"/>
+          <a:chOff x="0" y="0"/>
+          <a:chExt cx="0" cy="0"/>
+        </a:xfrm>
+      </p:grpSpPr>
+      <p:sp>
+        <p:nvSpPr>
+          <p:cNvPr id="2" name="Заголовок 1">
+            <a:extLst>
+              <a:ext uri="{FF2B5EF4-FFF2-40B4-BE49-F238E27FC236}">
                 <a16:creationId xmlns:a16="http://schemas.microsoft.com/office/drawing/2014/main" id="{1D0E600C-065C-4740-AE64-BEB00E688DE3}"/>
               </a:ext>
             </a:extLst>
@@ -5304,7 +5650,21 @@
           <a:p>
             <a:r>
               <a:rPr lang="ru-RU" sz="3000" dirty="0"/>
-              <a:t>Реализована функция просмотра стоимости обучения</a:t>
+              <a:t>Реализована функция просмотра стоимости обучения и плана обучения</a:t>
+            </a:r>
+          </a:p>
+          <a:p>
+            <a:r>
+              <a:rPr lang="ru-RU" sz="3000" dirty="0"/>
+              <a:t>Бот выгружен на </a:t>
+            </a:r>
+            <a:r>
+              <a:rPr lang="en-US" sz="3000" dirty="0"/>
+              <a:t>VPS </a:t>
+            </a:r>
+            <a:r>
+              <a:rPr lang="ru-RU" sz="3000" dirty="0"/>
+              <a:t>и запущен в качестве демона</a:t>
             </a:r>
           </a:p>
           <a:p>
@@ -5340,7 +5700,7 @@
           <a:p>
             <a:fld id="{69E57DC2-970A-4B3E-BB1C-7A09969E49DF}" type="slidenum">
               <a:rPr lang="en-US" sz="2000" smtClean="0"/>
-              <a:t>15</a:t>
+              <a:t>16</a:t>
             </a:fld>
             <a:endParaRPr lang="en-US" sz="2000" dirty="0"/>
           </a:p>
@@ -5359,7 +5719,7 @@
 </p:sld>
 </file>
 
-<file path=ppt/slides/slide16.xml><?xml version="1.0" encoding="utf-8"?>
+<file path=ppt/slides/slide17.xml><?xml version="1.0" encoding="utf-8"?>
 <p:sld xmlns:a="http://schemas.openxmlformats.org/drawingml/2006/main" xmlns:r="http://schemas.openxmlformats.org/officeDocument/2006/relationships" xmlns:p="http://schemas.openxmlformats.org/presentationml/2006/main">
   <p:cSld>
     <p:spTree>
@@ -5477,13 +5837,13 @@
         </p:nvSpPr>
         <p:spPr>
           <a:xfrm>
-            <a:off x="1371600" y="1638300"/>
-            <a:ext cx="9601200" cy="3581400"/>
+            <a:off x="1679944" y="909526"/>
+            <a:ext cx="9601200" cy="5038947"/>
           </a:xfrm>
         </p:spPr>
         <p:txBody>
           <a:bodyPr>
-            <a:normAutofit fontScale="85000" lnSpcReduction="10000"/>
+            <a:normAutofit/>
           </a:bodyPr>
           <a:lstStyle/>
           <a:p>
@@ -6922,7 +7282,10 @@
               <a:rPr lang="en-US" sz="3000" dirty="0" err="1"/>
               <a:t>js</a:t>
             </a:r>
-            <a:endParaRPr lang="en-US" sz="3000" dirty="0"/>
+            <a:r>
+              <a:rPr lang="en-US" sz="3000" dirty="0"/>
+              <a:t> </a:t>
+            </a:r>
           </a:p>
           <a:p>
             <a:r>
@@ -6933,7 +7296,18 @@
               <a:rPr lang="en-US" sz="3000" dirty="0" err="1"/>
               <a:t>api</a:t>
             </a:r>
-            <a:endParaRPr lang="en-US" sz="3000" dirty="0"/>
+            <a:r>
+              <a:rPr lang="en-US" sz="3000" dirty="0"/>
+              <a:t> – </a:t>
+            </a:r>
+            <a:r>
+              <a:rPr lang="ru-RU" sz="3000" dirty="0"/>
+              <a:t>библиотека для </a:t>
+            </a:r>
+            <a:r>
+              <a:rPr lang="en-US" sz="3000" dirty="0"/>
+              <a:t>node</a:t>
+            </a:r>
           </a:p>
           <a:p>
             <a:r>
@@ -6944,12 +7318,57 @@
               <a:rPr lang="en-US" sz="3000" dirty="0" err="1"/>
               <a:t>io</a:t>
             </a:r>
-            <a:endParaRPr lang="en-US" sz="3000" dirty="0"/>
-          </a:p>
-          <a:p>
             <a:r>
               <a:rPr lang="en-US" sz="3000" dirty="0"/>
-              <a:t>Docx-parser</a:t>
+              <a:t> – </a:t>
+            </a:r>
+            <a:r>
+              <a:rPr lang="ru-RU" sz="3000" dirty="0"/>
+              <a:t>парсер </a:t>
+            </a:r>
+            <a:r>
+              <a:rPr lang="en-US" sz="3000" dirty="0"/>
+              <a:t>html </a:t>
+            </a:r>
+            <a:r>
+              <a:rPr lang="ru-RU" sz="3000" dirty="0"/>
+              <a:t>для </a:t>
+            </a:r>
+            <a:r>
+              <a:rPr lang="en-US" sz="3000" dirty="0"/>
+              <a:t>node</a:t>
+            </a:r>
+          </a:p>
+          <a:p>
+            <a:r>
+              <a:rPr lang="en-US" sz="3000" dirty="0"/>
+              <a:t>Docx-parser – </a:t>
+            </a:r>
+            <a:r>
+              <a:rPr lang="ru-RU" sz="3000" dirty="0"/>
+              <a:t>парсер </a:t>
+            </a:r>
+            <a:r>
+              <a:rPr lang="en-US" sz="3000" dirty="0"/>
+              <a:t>word </a:t>
+            </a:r>
+            <a:r>
+              <a:rPr lang="ru-RU" sz="3000" dirty="0"/>
+              <a:t>документов</a:t>
+            </a:r>
+          </a:p>
+          <a:p>
+            <a:r>
+              <a:rPr lang="en-US" sz="3000" dirty="0"/>
+              <a:t>Pm2</a:t>
+            </a:r>
+            <a:r>
+              <a:rPr lang="ru-RU" sz="3000" dirty="0"/>
+              <a:t> – линукс процесс менеджер для </a:t>
+            </a:r>
+            <a:r>
+              <a:rPr lang="en-US" sz="3000" dirty="0"/>
+              <a:t>node</a:t>
             </a:r>
           </a:p>
         </p:txBody>

--- a/Чат-бот абитуриента.pptx
+++ b/Чат-бот абитуриента.pptx
@@ -5,7 +5,7 @@
     <p:sldMasterId id="2147483648" r:id="rId1"/>
   </p:sldMasterIdLst>
   <p:notesMasterIdLst>
-    <p:notesMasterId r:id="rId19"/>
+    <p:notesMasterId r:id="rId23"/>
   </p:notesMasterIdLst>
   <p:sldIdLst>
     <p:sldId id="256" r:id="rId2"/>
@@ -15,16 +15,20 @@
     <p:sldId id="266" r:id="rId6"/>
     <p:sldId id="267" r:id="rId7"/>
     <p:sldId id="260" r:id="rId8"/>
-    <p:sldId id="262" r:id="rId9"/>
-    <p:sldId id="261" r:id="rId10"/>
+    <p:sldId id="261" r:id="rId9"/>
+    <p:sldId id="262" r:id="rId10"/>
     <p:sldId id="269" r:id="rId11"/>
     <p:sldId id="263" r:id="rId12"/>
     <p:sldId id="270" r:id="rId13"/>
     <p:sldId id="268" r:id="rId14"/>
     <p:sldId id="271" r:id="rId15"/>
     <p:sldId id="272" r:id="rId16"/>
-    <p:sldId id="265" r:id="rId17"/>
-    <p:sldId id="264" r:id="rId18"/>
+    <p:sldId id="273" r:id="rId17"/>
+    <p:sldId id="274" r:id="rId18"/>
+    <p:sldId id="275" r:id="rId19"/>
+    <p:sldId id="276" r:id="rId20"/>
+    <p:sldId id="265" r:id="rId21"/>
+    <p:sldId id="264" r:id="rId22"/>
   </p:sldIdLst>
   <p:sldSz cx="12192000" cy="6858000"/>
   <p:notesSz cx="6858000" cy="9144000"/>
@@ -213,7 +217,7 @@
           <a:p>
             <a:fld id="{7EBF024C-40DE-4251-82B8-AADD9C05F3A2}" type="datetimeFigureOut">
               <a:rPr lang="ru-RU" smtClean="0"/>
-              <a:t>23.05.2022</a:t>
+              <a:t>27.05.2022</a:t>
             </a:fld>
             <a:endParaRPr lang="ru-RU"/>
           </a:p>
@@ -649,7 +653,7 @@
           <a:p>
             <a:fld id="{37BBD0FB-8BB3-478C-B40C-2881E8919EAE}" type="datetime1">
               <a:rPr lang="en-US" smtClean="0"/>
-              <a:t>5/23/2022</a:t>
+              <a:t>5/27/2022</a:t>
             </a:fld>
             <a:endParaRPr lang="en-US" dirty="0"/>
           </a:p>
@@ -975,7 +979,7 @@
           <a:p>
             <a:fld id="{0E6E9911-DE5E-4F5D-8E44-A72F7A8FB404}" type="datetime1">
               <a:rPr lang="en-US" smtClean="0"/>
-              <a:t>5/23/2022</a:t>
+              <a:t>5/27/2022</a:t>
             </a:fld>
             <a:endParaRPr lang="en-US" dirty="0"/>
           </a:p>
@@ -1150,7 +1154,7 @@
           <a:p>
             <a:fld id="{71386979-0F93-4AFB-AB47-1ACD324DBB29}" type="datetime1">
               <a:rPr lang="en-US" smtClean="0"/>
-              <a:t>5/23/2022</a:t>
+              <a:t>5/27/2022</a:t>
             </a:fld>
             <a:endParaRPr lang="en-US" dirty="0"/>
           </a:p>
@@ -1315,7 +1319,7 @@
           <a:p>
             <a:fld id="{DFF4B4EB-EA43-4297-97FB-654ED122C76B}" type="datetime1">
               <a:rPr lang="en-US" smtClean="0"/>
-              <a:t>5/23/2022</a:t>
+              <a:t>5/27/2022</a:t>
             </a:fld>
             <a:endParaRPr lang="en-US" dirty="0"/>
           </a:p>
@@ -1587,7 +1591,7 @@
           <a:p>
             <a:fld id="{F6CE7E11-1409-40CD-A687-FFA62CA04DE3}" type="datetime1">
               <a:rPr lang="en-US" smtClean="0"/>
-              <a:t>5/23/2022</a:t>
+              <a:t>5/27/2022</a:t>
             </a:fld>
             <a:endParaRPr lang="en-US" dirty="0"/>
           </a:p>
@@ -1977,7 +1981,7 @@
           <a:p>
             <a:fld id="{5BDD2DE9-3F0D-4CCD-B816-CD124F7C15C1}" type="datetime1">
               <a:rPr lang="en-US" smtClean="0"/>
-              <a:t>5/23/2022</a:t>
+              <a:t>5/27/2022</a:t>
             </a:fld>
             <a:endParaRPr lang="en-US" dirty="0"/>
           </a:p>
@@ -2449,7 +2453,7 @@
           <a:p>
             <a:fld id="{2B2A4EAD-6E04-46AB-93BC-D2E168DA6BE1}" type="datetime1">
               <a:rPr lang="en-US" smtClean="0"/>
-              <a:t>5/23/2022</a:t>
+              <a:t>5/27/2022</a:t>
             </a:fld>
             <a:endParaRPr lang="en-US" dirty="0"/>
           </a:p>
@@ -2562,7 +2566,7 @@
           <a:p>
             <a:fld id="{A75EDEDD-0FAD-4AC6-8878-F1B28E665335}" type="datetime1">
               <a:rPr lang="en-US" smtClean="0"/>
-              <a:t>5/23/2022</a:t>
+              <a:t>5/27/2022</a:t>
             </a:fld>
             <a:endParaRPr lang="en-US" dirty="0"/>
           </a:p>
@@ -2652,7 +2656,7 @@
           <a:p>
             <a:fld id="{E05E0143-C572-4EFD-98D5-2940496992E6}" type="datetime1">
               <a:rPr lang="en-US" smtClean="0"/>
-              <a:t>5/23/2022</a:t>
+              <a:t>5/27/2022</a:t>
             </a:fld>
             <a:endParaRPr lang="en-US" dirty="0"/>
           </a:p>
@@ -2993,7 +2997,7 @@
           <a:p>
             <a:fld id="{E895A535-64F4-460C-A8EC-C95B97FA828D}" type="datetime1">
               <a:rPr lang="en-US" smtClean="0"/>
-              <a:t>5/23/2022</a:t>
+              <a:t>5/27/2022</a:t>
             </a:fld>
             <a:endParaRPr lang="en-US" dirty="0"/>
           </a:p>
@@ -3377,7 +3381,7 @@
           <a:p>
             <a:fld id="{2C1FA681-F6C0-4071-8573-471505111450}" type="datetime1">
               <a:rPr lang="en-US" smtClean="0"/>
-              <a:t>5/23/2022</a:t>
+              <a:t>5/27/2022</a:t>
             </a:fld>
             <a:endParaRPr lang="en-US" dirty="0"/>
           </a:p>
@@ -3651,7 +3655,7 @@
           <a:p>
             <a:fld id="{9D586F69-BEFA-4965-B069-D3808E633C73}" type="datetime1">
               <a:rPr lang="en-US" smtClean="0"/>
-              <a:t>5/23/2022</a:t>
+              <a:t>5/27/2022</a:t>
             </a:fld>
             <a:endParaRPr lang="en-US" dirty="0"/>
           </a:p>
@@ -4560,7 +4564,7 @@
         </p:blipFill>
         <p:spPr>
           <a:xfrm>
-            <a:off x="2550967" y="1258628"/>
+            <a:off x="2667925" y="1163799"/>
             <a:ext cx="7242465" cy="5311141"/>
           </a:xfrm>
         </p:spPr>
@@ -4681,7 +4685,7 @@
         </p:blipFill>
         <p:spPr>
           <a:xfrm>
-            <a:off x="690713" y="1649099"/>
+            <a:off x="754508" y="1649099"/>
             <a:ext cx="11217974" cy="3559802"/>
           </a:xfrm>
         </p:spPr>
@@ -4975,34 +4979,6 @@
       </p:grpSpPr>
       <p:sp>
         <p:nvSpPr>
-          <p:cNvPr id="2" name="Заголовок 1">
-            <a:extLst>
-              <a:ext uri="{FF2B5EF4-FFF2-40B4-BE49-F238E27FC236}">
-                <a16:creationId xmlns:a16="http://schemas.microsoft.com/office/drawing/2014/main" id="{F59CD1E1-A35B-47B9-8936-80BC981F42DF}"/>
-              </a:ext>
-            </a:extLst>
-          </p:cNvPr>
-          <p:cNvSpPr>
-            <a:spLocks noGrp="1"/>
-          </p:cNvSpPr>
-          <p:nvPr>
-            <p:ph type="title"/>
-          </p:nvPr>
-        </p:nvSpPr>
-        <p:spPr/>
-        <p:txBody>
-          <a:bodyPr/>
-          <a:lstStyle/>
-          <a:p>
-            <a:r>
-              <a:rPr lang="ru-RU" dirty="0"/>
-              <a:t>Развертывание</a:t>
-            </a:r>
-          </a:p>
-        </p:txBody>
-      </p:sp>
-      <p:sp>
-        <p:nvSpPr>
           <p:cNvPr id="3" name="Объект 2">
             <a:extLst>
               <a:ext uri="{FF2B5EF4-FFF2-40B4-BE49-F238E27FC236}">
@@ -5019,13 +4995,13 @@
         </p:nvSpPr>
         <p:spPr>
           <a:xfrm>
-            <a:off x="1371600" y="1638299"/>
-            <a:ext cx="9601200" cy="4294667"/>
+            <a:off x="947057" y="895349"/>
+            <a:ext cx="9601200" cy="2171701"/>
           </a:xfrm>
         </p:spPr>
         <p:txBody>
           <a:bodyPr>
-            <a:normAutofit lnSpcReduction="10000"/>
+            <a:normAutofit/>
           </a:bodyPr>
           <a:lstStyle/>
           <a:p>
@@ -5076,101 +5052,6 @@
             <a:endParaRPr lang="ru-RU" dirty="0"/>
           </a:p>
           <a:p>
-            <a:endParaRPr lang="ru-RU" dirty="0"/>
-          </a:p>
-          <a:p>
-            <a:r>
-              <a:rPr lang="en-US" dirty="0"/>
-              <a:t>1) </a:t>
-            </a:r>
-            <a:r>
-              <a:rPr lang="ru-RU" dirty="0"/>
-              <a:t>Скачивание проекта из </a:t>
-            </a:r>
-            <a:r>
-              <a:rPr lang="en-US" dirty="0" err="1"/>
-              <a:t>github</a:t>
-            </a:r>
-            <a:r>
-              <a:rPr lang="en-US" dirty="0"/>
-              <a:t> </a:t>
-            </a:r>
-          </a:p>
-          <a:p>
-            <a:r>
-              <a:rPr lang="en-US" dirty="0"/>
-              <a:t>2) </a:t>
-            </a:r>
-            <a:r>
-              <a:rPr lang="ru-RU" dirty="0"/>
-              <a:t>Установка необходимых модулей с помощью команды </a:t>
-            </a:r>
-            <a:r>
-              <a:rPr lang="en-US" dirty="0" err="1"/>
-              <a:t>npm</a:t>
-            </a:r>
-            <a:r>
-              <a:rPr lang="en-US" dirty="0"/>
-              <a:t> </a:t>
-            </a:r>
-            <a:r>
-              <a:rPr lang="en-US" dirty="0" err="1"/>
-              <a:t>i</a:t>
-            </a:r>
-            <a:endParaRPr lang="ru-RU" dirty="0"/>
-          </a:p>
-          <a:p>
-            <a:r>
-              <a:rPr lang="ru-RU" dirty="0"/>
-              <a:t>3) Переименовать файл </a:t>
-            </a:r>
-            <a:r>
-              <a:rPr lang="en-US" dirty="0" err="1"/>
-              <a:t>env.example.json</a:t>
-            </a:r>
-            <a:r>
-              <a:rPr lang="en-US" dirty="0"/>
-              <a:t> </a:t>
-            </a:r>
-            <a:r>
-              <a:rPr lang="ru-RU" dirty="0"/>
-              <a:t>в </a:t>
-            </a:r>
-            <a:r>
-              <a:rPr lang="en-US" dirty="0" err="1"/>
-              <a:t>env.json</a:t>
-            </a:r>
-            <a:r>
-              <a:rPr lang="en-US" dirty="0"/>
-              <a:t> </a:t>
-            </a:r>
-            <a:r>
-              <a:rPr lang="ru-RU" dirty="0"/>
-              <a:t>и добавить туда токен</a:t>
-            </a:r>
-            <a:endParaRPr lang="en-US" dirty="0"/>
-          </a:p>
-          <a:p>
-            <a:r>
-              <a:rPr lang="ru-RU" dirty="0"/>
-              <a:t>4</a:t>
-            </a:r>
-            <a:r>
-              <a:rPr lang="en-US" dirty="0"/>
-              <a:t>) </a:t>
-            </a:r>
-            <a:r>
-              <a:rPr lang="ru-RU" dirty="0"/>
-              <a:t>Запуск с помощью команды </a:t>
-            </a:r>
-            <a:r>
-              <a:rPr lang="en-US" dirty="0" err="1"/>
-              <a:t>npm</a:t>
-            </a:r>
-            <a:r>
-              <a:rPr lang="en-US" dirty="0"/>
-              <a:t> start</a:t>
-            </a:r>
             <a:endParaRPr lang="ru-RU" dirty="0"/>
           </a:p>
           <a:p>
@@ -5207,6 +5088,398 @@
               <a:t>14</a:t>
             </a:fld>
             <a:endParaRPr lang="en-US" dirty="0"/>
+          </a:p>
+        </p:txBody>
+      </p:sp>
+      <p:sp>
+        <p:nvSpPr>
+          <p:cNvPr id="6" name="Объект 2">
+            <a:extLst>
+              <a:ext uri="{FF2B5EF4-FFF2-40B4-BE49-F238E27FC236}">
+                <a16:creationId xmlns:a16="http://schemas.microsoft.com/office/drawing/2014/main" id="{0106ABF9-AF02-4212-8238-458AD0863958}"/>
+              </a:ext>
+            </a:extLst>
+          </p:cNvPr>
+          <p:cNvSpPr txBox="1">
+            <a:spLocks/>
+          </p:cNvSpPr>
+          <p:nvPr/>
+        </p:nvSpPr>
+        <p:spPr>
+          <a:xfrm>
+            <a:off x="870857" y="3590881"/>
+            <a:ext cx="9601200" cy="2171701"/>
+          </a:xfrm>
+          <a:prstGeom prst="rect">
+            <a:avLst/>
+          </a:prstGeom>
+        </p:spPr>
+        <p:txBody>
+          <a:bodyPr vert="horz" lIns="91440" tIns="45720" rIns="91440" bIns="45720" rtlCol="0">
+            <a:normAutofit/>
+          </a:bodyPr>
+          <a:lstStyle>
+            <a:lvl1pPr marL="384048" indent="-384048" algn="l" defTabSz="914400" rtl="0" eaLnBrk="1" latinLnBrk="0" hangingPunct="1">
+              <a:lnSpc>
+                <a:spcPct val="94000"/>
+              </a:lnSpc>
+              <a:spcBef>
+                <a:spcPts val="1000"/>
+              </a:spcBef>
+              <a:spcAft>
+                <a:spcPts val="200"/>
+              </a:spcAft>
+              <a:buFont typeface="Franklin Gothic Book" panose="020B0503020102020204" pitchFamily="34" charset="0"/>
+              <a:buChar char="■"/>
+              <a:defRPr sz="2000" kern="1200" baseline="0">
+                <a:solidFill>
+                  <a:schemeClr val="tx2"/>
+                </a:solidFill>
+                <a:latin typeface="+mn-lt"/>
+                <a:ea typeface="+mn-ea"/>
+                <a:cs typeface="+mn-cs"/>
+              </a:defRPr>
+            </a:lvl1pPr>
+            <a:lvl2pPr marL="914400" indent="-384048" algn="l" defTabSz="914400" rtl="0" eaLnBrk="1" latinLnBrk="0" hangingPunct="1">
+              <a:lnSpc>
+                <a:spcPct val="94000"/>
+              </a:lnSpc>
+              <a:spcBef>
+                <a:spcPts val="500"/>
+              </a:spcBef>
+              <a:spcAft>
+                <a:spcPts val="200"/>
+              </a:spcAft>
+              <a:buFont typeface="Franklin Gothic Book" panose="020B0503020102020204" pitchFamily="34" charset="0"/>
+              <a:buChar char="–"/>
+              <a:defRPr sz="2000" i="1" kern="1200" baseline="0">
+                <a:solidFill>
+                  <a:schemeClr val="tx2"/>
+                </a:solidFill>
+                <a:latin typeface="+mn-lt"/>
+                <a:ea typeface="+mn-ea"/>
+                <a:cs typeface="+mn-cs"/>
+              </a:defRPr>
+            </a:lvl2pPr>
+            <a:lvl3pPr marL="1371600" indent="-384048" algn="l" defTabSz="914400" rtl="0" eaLnBrk="1" latinLnBrk="0" hangingPunct="1">
+              <a:lnSpc>
+                <a:spcPct val="94000"/>
+              </a:lnSpc>
+              <a:spcBef>
+                <a:spcPts val="500"/>
+              </a:spcBef>
+              <a:spcAft>
+                <a:spcPts val="200"/>
+              </a:spcAft>
+              <a:buFont typeface="Franklin Gothic Book" panose="020B0503020102020204" pitchFamily="34" charset="0"/>
+              <a:buChar char="■"/>
+              <a:defRPr sz="1800" kern="1200" baseline="0">
+                <a:solidFill>
+                  <a:schemeClr val="tx2"/>
+                </a:solidFill>
+                <a:latin typeface="+mn-lt"/>
+                <a:ea typeface="+mn-ea"/>
+                <a:cs typeface="+mn-cs"/>
+              </a:defRPr>
+            </a:lvl3pPr>
+            <a:lvl4pPr marL="1828800" indent="-384048" algn="l" defTabSz="914400" rtl="0" eaLnBrk="1" latinLnBrk="0" hangingPunct="1">
+              <a:lnSpc>
+                <a:spcPct val="94000"/>
+              </a:lnSpc>
+              <a:spcBef>
+                <a:spcPts val="500"/>
+              </a:spcBef>
+              <a:spcAft>
+                <a:spcPts val="200"/>
+              </a:spcAft>
+              <a:buFont typeface="Franklin Gothic Book" panose="020B0503020102020204" pitchFamily="34" charset="0"/>
+              <a:buChar char="–"/>
+              <a:defRPr sz="1800" i="1" kern="1200" baseline="0">
+                <a:solidFill>
+                  <a:schemeClr val="tx2"/>
+                </a:solidFill>
+                <a:latin typeface="+mn-lt"/>
+                <a:ea typeface="+mn-ea"/>
+                <a:cs typeface="+mn-cs"/>
+              </a:defRPr>
+            </a:lvl4pPr>
+            <a:lvl5pPr marL="2286000" indent="-384048" algn="l" defTabSz="914400" rtl="0" eaLnBrk="1" latinLnBrk="0" hangingPunct="1">
+              <a:lnSpc>
+                <a:spcPct val="94000"/>
+              </a:lnSpc>
+              <a:spcBef>
+                <a:spcPts val="500"/>
+              </a:spcBef>
+              <a:spcAft>
+                <a:spcPts val="200"/>
+              </a:spcAft>
+              <a:buFont typeface="Franklin Gothic Book" panose="020B0503020102020204" pitchFamily="34" charset="0"/>
+              <a:buChar char="■"/>
+              <a:defRPr sz="1600" kern="1200" baseline="0">
+                <a:solidFill>
+                  <a:schemeClr val="tx2"/>
+                </a:solidFill>
+                <a:latin typeface="+mn-lt"/>
+                <a:ea typeface="+mn-ea"/>
+                <a:cs typeface="+mn-cs"/>
+              </a:defRPr>
+            </a:lvl5pPr>
+            <a:lvl6pPr marL="2743200" indent="-384048" algn="l" defTabSz="914400" rtl="0" eaLnBrk="1" latinLnBrk="0" hangingPunct="1">
+              <a:lnSpc>
+                <a:spcPct val="94000"/>
+              </a:lnSpc>
+              <a:spcBef>
+                <a:spcPts val="500"/>
+              </a:spcBef>
+              <a:spcAft>
+                <a:spcPts val="200"/>
+              </a:spcAft>
+              <a:buFont typeface="Franklin Gothic Book" panose="020B0503020102020204" pitchFamily="34" charset="0"/>
+              <a:buChar char="–"/>
+              <a:defRPr sz="1600" i="1" kern="1200" baseline="0">
+                <a:solidFill>
+                  <a:schemeClr val="tx2"/>
+                </a:solidFill>
+                <a:latin typeface="+mn-lt"/>
+                <a:ea typeface="+mn-ea"/>
+                <a:cs typeface="+mn-cs"/>
+              </a:defRPr>
+            </a:lvl6pPr>
+            <a:lvl7pPr marL="3200400" indent="-384048" algn="l" defTabSz="914400" rtl="0" eaLnBrk="1" latinLnBrk="0" hangingPunct="1">
+              <a:lnSpc>
+                <a:spcPct val="94000"/>
+              </a:lnSpc>
+              <a:spcBef>
+                <a:spcPts val="500"/>
+              </a:spcBef>
+              <a:spcAft>
+                <a:spcPts val="200"/>
+              </a:spcAft>
+              <a:buFont typeface="Franklin Gothic Book" panose="020B0503020102020204" pitchFamily="34" charset="0"/>
+              <a:buChar char="■"/>
+              <a:defRPr sz="1400" kern="1200" baseline="0">
+                <a:solidFill>
+                  <a:schemeClr val="tx2"/>
+                </a:solidFill>
+                <a:latin typeface="+mn-lt"/>
+                <a:ea typeface="+mn-ea"/>
+                <a:cs typeface="+mn-cs"/>
+              </a:defRPr>
+            </a:lvl7pPr>
+            <a:lvl8pPr marL="3657600" indent="-384048" algn="l" defTabSz="914400" rtl="0" eaLnBrk="1" latinLnBrk="0" hangingPunct="1">
+              <a:lnSpc>
+                <a:spcPct val="94000"/>
+              </a:lnSpc>
+              <a:spcBef>
+                <a:spcPts val="500"/>
+              </a:spcBef>
+              <a:spcAft>
+                <a:spcPts val="200"/>
+              </a:spcAft>
+              <a:buFont typeface="Franklin Gothic Book" panose="020B0503020102020204" pitchFamily="34" charset="0"/>
+              <a:buChar char="–"/>
+              <a:defRPr sz="1400" i="1" kern="1200" baseline="0">
+                <a:solidFill>
+                  <a:schemeClr val="tx2"/>
+                </a:solidFill>
+                <a:latin typeface="+mn-lt"/>
+                <a:ea typeface="+mn-ea"/>
+                <a:cs typeface="+mn-cs"/>
+              </a:defRPr>
+            </a:lvl8pPr>
+            <a:lvl9pPr marL="4114800" indent="-384048" algn="l" defTabSz="914400" rtl="0" eaLnBrk="1" latinLnBrk="0" hangingPunct="1">
+              <a:lnSpc>
+                <a:spcPct val="94000"/>
+              </a:lnSpc>
+              <a:spcBef>
+                <a:spcPts val="500"/>
+              </a:spcBef>
+              <a:spcAft>
+                <a:spcPts val="200"/>
+              </a:spcAft>
+              <a:buFont typeface="Franklin Gothic Book" panose="020B0503020102020204" pitchFamily="34" charset="0"/>
+              <a:buChar char="■"/>
+              <a:defRPr sz="1400" kern="1200" baseline="0">
+                <a:solidFill>
+                  <a:schemeClr val="tx2"/>
+                </a:solidFill>
+                <a:latin typeface="+mn-lt"/>
+                <a:ea typeface="+mn-ea"/>
+                <a:cs typeface="+mn-cs"/>
+              </a:defRPr>
+            </a:lvl9pPr>
+          </a:lstStyle>
+          <a:p>
+            <a:r>
+              <a:rPr lang="en-US" dirty="0"/>
+              <a:t>1) </a:t>
+            </a:r>
+            <a:r>
+              <a:rPr lang="ru-RU" dirty="0"/>
+              <a:t>Скачивание проекта из </a:t>
+            </a:r>
+            <a:r>
+              <a:rPr lang="en-US" dirty="0" err="1"/>
+              <a:t>github</a:t>
+            </a:r>
+            <a:r>
+              <a:rPr lang="en-US" dirty="0"/>
+              <a:t> </a:t>
+            </a:r>
+          </a:p>
+          <a:p>
+            <a:r>
+              <a:rPr lang="en-US" dirty="0"/>
+              <a:t>2) </a:t>
+            </a:r>
+            <a:r>
+              <a:rPr lang="ru-RU" dirty="0"/>
+              <a:t>Установка необходимых модулей с помощью команды </a:t>
+            </a:r>
+            <a:r>
+              <a:rPr lang="en-US" dirty="0" err="1"/>
+              <a:t>npm</a:t>
+            </a:r>
+            <a:r>
+              <a:rPr lang="en-US" dirty="0"/>
+              <a:t> </a:t>
+            </a:r>
+            <a:r>
+              <a:rPr lang="en-US" dirty="0" err="1"/>
+              <a:t>i</a:t>
+            </a:r>
+            <a:endParaRPr lang="ru-RU" dirty="0"/>
+          </a:p>
+          <a:p>
+            <a:r>
+              <a:rPr lang="ru-RU" dirty="0"/>
+              <a:t>3) Переименовать файл </a:t>
+            </a:r>
+            <a:r>
+              <a:rPr lang="en-US" dirty="0" err="1"/>
+              <a:t>env.example.json</a:t>
+            </a:r>
+            <a:r>
+              <a:rPr lang="en-US" dirty="0"/>
+              <a:t> </a:t>
+            </a:r>
+            <a:r>
+              <a:rPr lang="ru-RU" dirty="0"/>
+              <a:t>в </a:t>
+            </a:r>
+            <a:r>
+              <a:rPr lang="en-US" dirty="0" err="1"/>
+              <a:t>env.json</a:t>
+            </a:r>
+            <a:r>
+              <a:rPr lang="en-US" dirty="0"/>
+              <a:t> </a:t>
+            </a:r>
+            <a:r>
+              <a:rPr lang="ru-RU" dirty="0"/>
+              <a:t>и добавить туда токен</a:t>
+            </a:r>
+            <a:endParaRPr lang="en-US" dirty="0"/>
+          </a:p>
+          <a:p>
+            <a:r>
+              <a:rPr lang="ru-RU" dirty="0"/>
+              <a:t>4</a:t>
+            </a:r>
+            <a:r>
+              <a:rPr lang="en-US" dirty="0"/>
+              <a:t>) </a:t>
+            </a:r>
+            <a:r>
+              <a:rPr lang="ru-RU" dirty="0"/>
+              <a:t>Запуск с помощью команды </a:t>
+            </a:r>
+            <a:r>
+              <a:rPr lang="en-US" dirty="0" err="1"/>
+              <a:t>npm</a:t>
+            </a:r>
+            <a:r>
+              <a:rPr lang="en-US" dirty="0"/>
+              <a:t> start</a:t>
+            </a:r>
+            <a:r>
+              <a:rPr lang="ru-RU" dirty="0"/>
+              <a:t> или запуск для разработки </a:t>
+            </a:r>
+            <a:r>
+              <a:rPr lang="en-US" dirty="0" err="1"/>
+              <a:t>npm</a:t>
+            </a:r>
+            <a:r>
+              <a:rPr lang="en-US" dirty="0"/>
+              <a:t> run dev</a:t>
+            </a:r>
+            <a:endParaRPr lang="ru-RU" dirty="0"/>
+          </a:p>
+          <a:p>
+            <a:endParaRPr lang="ru-RU" dirty="0"/>
+          </a:p>
+          <a:p>
+            <a:endParaRPr lang="ru-RU" dirty="0"/>
+          </a:p>
+        </p:txBody>
+      </p:sp>
+      <p:sp>
+        <p:nvSpPr>
+          <p:cNvPr id="7" name="Заголовок 1">
+            <a:extLst>
+              <a:ext uri="{FF2B5EF4-FFF2-40B4-BE49-F238E27FC236}">
+                <a16:creationId xmlns:a16="http://schemas.microsoft.com/office/drawing/2014/main" id="{8F89E18F-6348-434B-A8DE-0559A77C844B}"/>
+              </a:ext>
+            </a:extLst>
+          </p:cNvPr>
+          <p:cNvSpPr txBox="1">
+            <a:spLocks/>
+          </p:cNvSpPr>
+          <p:nvPr/>
+        </p:nvSpPr>
+        <p:spPr>
+          <a:xfrm>
+            <a:off x="870857" y="152399"/>
+            <a:ext cx="9601200" cy="1485900"/>
+          </a:xfrm>
+          <a:prstGeom prst="rect">
+            <a:avLst/>
+          </a:prstGeom>
+        </p:spPr>
+        <p:txBody>
+          <a:bodyPr vert="horz" lIns="91440" tIns="45720" rIns="91440" bIns="45720" rtlCol="0" anchor="t">
+            <a:normAutofit/>
+          </a:bodyPr>
+          <a:lstStyle>
+            <a:lvl1pPr algn="l" defTabSz="914400" rtl="0" eaLnBrk="1" latinLnBrk="0" hangingPunct="1">
+              <a:lnSpc>
+                <a:spcPct val="89000"/>
+              </a:lnSpc>
+              <a:spcBef>
+                <a:spcPct val="0"/>
+              </a:spcBef>
+              <a:buNone/>
+              <a:defRPr sz="4400" kern="1200" baseline="0">
+                <a:solidFill>
+                  <a:schemeClr val="tx2"/>
+                </a:solidFill>
+                <a:latin typeface="+mj-lt"/>
+                <a:ea typeface="+mj-ea"/>
+                <a:cs typeface="+mj-cs"/>
+              </a:defRPr>
+            </a:lvl1pPr>
+          </a:lstStyle>
+          <a:p>
+            <a:r>
+              <a:rPr lang="ru-RU" dirty="0"/>
+              <a:t>Развертывание</a:t>
+            </a:r>
+            <a:r>
+              <a:rPr lang="en-US" dirty="0"/>
+              <a:t> </a:t>
+            </a:r>
+            <a:endParaRPr lang="ru-RU" dirty="0"/>
           </a:p>
         </p:txBody>
       </p:sp>
@@ -5541,8 +5814,8 @@
         </p:blipFill>
         <p:spPr>
           <a:xfrm>
-            <a:off x="1032745" y="4116041"/>
-            <a:ext cx="10278909" cy="628738"/>
+            <a:off x="1010786" y="4477548"/>
+            <a:ext cx="10322827" cy="631424"/>
           </a:xfrm>
           <a:prstGeom prst="rect">
             <a:avLst/>
@@ -5584,7 +5857,7 @@
           <p:cNvPr id="2" name="Заголовок 1">
             <a:extLst>
               <a:ext uri="{FF2B5EF4-FFF2-40B4-BE49-F238E27FC236}">
-                <a16:creationId xmlns:a16="http://schemas.microsoft.com/office/drawing/2014/main" id="{1D0E600C-065C-4740-AE64-BEB00E688DE3}"/>
+                <a16:creationId xmlns:a16="http://schemas.microsoft.com/office/drawing/2014/main" id="{006B8C74-0CBC-44B1-B5B4-818F32BCF4E5}"/>
               </a:ext>
             </a:extLst>
           </p:cNvPr>
@@ -5595,24 +5868,29 @@
             <p:ph type="title"/>
           </p:nvPr>
         </p:nvSpPr>
-        <p:spPr/>
+        <p:spPr>
+          <a:xfrm>
+            <a:off x="754912" y="111642"/>
+            <a:ext cx="9601200" cy="1485900"/>
+          </a:xfrm>
+        </p:spPr>
         <p:txBody>
           <a:bodyPr/>
           <a:lstStyle/>
           <a:p>
             <a:r>
               <a:rPr lang="ru-RU" dirty="0"/>
-              <a:t>Заключение</a:t>
-            </a:r>
-          </a:p>
-        </p:txBody>
-      </p:sp>
-      <p:sp>
-        <p:nvSpPr>
-          <p:cNvPr id="3" name="Объект 2">
+              <a:t>Демонстрация работы</a:t>
+            </a:r>
+          </a:p>
+        </p:txBody>
+      </p:sp>
+      <p:sp>
+        <p:nvSpPr>
+          <p:cNvPr id="4" name="Номер слайда 3">
             <a:extLst>
               <a:ext uri="{FF2B5EF4-FFF2-40B4-BE49-F238E27FC236}">
-                <a16:creationId xmlns:a16="http://schemas.microsoft.com/office/drawing/2014/main" id="{14A50855-A4D6-4CEC-9A3E-FC2ED9A70316}"/>
+                <a16:creationId xmlns:a16="http://schemas.microsoft.com/office/drawing/2014/main" id="{E8307351-73A0-4398-AC1B-584A1F5D6DE6}"/>
               </a:ext>
             </a:extLst>
           </p:cNvPr>
@@ -5620,64 +5898,28 @@
             <a:spLocks noGrp="1"/>
           </p:cNvSpPr>
           <p:nvPr>
-            <p:ph idx="1"/>
+            <p:ph type="sldNum" sz="quarter" idx="12"/>
           </p:nvPr>
         </p:nvSpPr>
         <p:spPr/>
         <p:txBody>
-          <a:bodyPr>
-            <a:normAutofit/>
-          </a:bodyPr>
+          <a:bodyPr/>
           <a:lstStyle/>
           <a:p>
-            <a:r>
-              <a:rPr lang="ru-RU" sz="3000" dirty="0"/>
-              <a:t>Проведен опрос среди студентов</a:t>
-            </a:r>
-          </a:p>
-          <a:p>
-            <a:r>
-              <a:rPr lang="ru-RU" sz="3000" dirty="0"/>
-              <a:t>Выполнен макет веб-интерфейса</a:t>
-            </a:r>
-          </a:p>
-          <a:p>
-            <a:r>
-              <a:rPr lang="ru-RU" sz="3000" dirty="0"/>
-              <a:t>Прописан сценарий пользователя</a:t>
-            </a:r>
-          </a:p>
-          <a:p>
-            <a:r>
-              <a:rPr lang="ru-RU" sz="3000" dirty="0"/>
-              <a:t>Реализована функция просмотра стоимости обучения и плана обучения</a:t>
-            </a:r>
-          </a:p>
-          <a:p>
-            <a:r>
-              <a:rPr lang="ru-RU" sz="3000" dirty="0"/>
-              <a:t>Бот выгружен на </a:t>
-            </a:r>
-            <a:r>
-              <a:rPr lang="en-US" sz="3000" dirty="0"/>
-              <a:t>VPS </a:t>
-            </a:r>
-            <a:r>
-              <a:rPr lang="ru-RU" sz="3000" dirty="0"/>
-              <a:t>и запущен в качестве демона</a:t>
-            </a:r>
-          </a:p>
-          <a:p>
-            <a:endParaRPr lang="ru-RU" sz="3000" dirty="0"/>
-          </a:p>
-        </p:txBody>
-      </p:sp>
-      <p:sp>
-        <p:nvSpPr>
-          <p:cNvPr id="4" name="Номер слайда 3">
+            <a:fld id="{69E57DC2-970A-4B3E-BB1C-7A09969E49DF}" type="slidenum">
+              <a:rPr lang="en-US" smtClean="0"/>
+              <a:t>16</a:t>
+            </a:fld>
+            <a:endParaRPr lang="en-US" dirty="0"/>
+          </a:p>
+        </p:txBody>
+      </p:sp>
+      <p:sp>
+        <p:nvSpPr>
+          <p:cNvPr id="7" name="Объект 6">
             <a:extLst>
               <a:ext uri="{FF2B5EF4-FFF2-40B4-BE49-F238E27FC236}">
-                <a16:creationId xmlns:a16="http://schemas.microsoft.com/office/drawing/2014/main" id="{C15594A3-8E1E-4966-9C73-AE624370B21A}"/>
+                <a16:creationId xmlns:a16="http://schemas.microsoft.com/office/drawing/2014/main" id="{90C77726-2AD4-46B8-A1FA-03BCE0827925}"/>
               </a:ext>
             </a:extLst>
           </p:cNvPr>
@@ -5685,31 +5927,52 @@
             <a:spLocks noGrp="1"/>
           </p:cNvSpPr>
           <p:nvPr>
-            <p:ph type="sldNum" sz="quarter" idx="12"/>
-          </p:nvPr>
-        </p:nvSpPr>
-        <p:spPr>
-          <a:xfrm>
-            <a:off x="10174654" y="6172200"/>
-            <a:ext cx="1596292" cy="404614"/>
-          </a:xfrm>
-        </p:spPr>
+            <p:ph idx="1"/>
+          </p:nvPr>
+        </p:nvSpPr>
+        <p:spPr/>
         <p:txBody>
           <a:bodyPr/>
           <a:lstStyle/>
           <a:p>
-            <a:fld id="{69E57DC2-970A-4B3E-BB1C-7A09969E49DF}" type="slidenum">
-              <a:rPr lang="en-US" sz="2000" smtClean="0"/>
-              <a:t>16</a:t>
-            </a:fld>
-            <a:endParaRPr lang="en-US" sz="2000" dirty="0"/>
-          </a:p>
-        </p:txBody>
-      </p:sp>
+            <a:endParaRPr lang="ru-RU"/>
+          </a:p>
+        </p:txBody>
+      </p:sp>
+      <p:pic>
+        <p:nvPicPr>
+          <p:cNvPr id="8" name="Рисунок 7">
+            <a:extLst>
+              <a:ext uri="{FF2B5EF4-FFF2-40B4-BE49-F238E27FC236}">
+                <a16:creationId xmlns:a16="http://schemas.microsoft.com/office/drawing/2014/main" id="{F834BB6B-4F40-484C-B3D2-4B43A3CD1306}"/>
+              </a:ext>
+            </a:extLst>
+          </p:cNvPr>
+          <p:cNvPicPr>
+            <a:picLocks noChangeAspect="1"/>
+          </p:cNvPicPr>
+          <p:nvPr/>
+        </p:nvPicPr>
+        <p:blipFill>
+          <a:blip r:embed="rId2"/>
+          <a:stretch>
+            <a:fillRect/>
+          </a:stretch>
+        </p:blipFill>
+        <p:spPr>
+          <a:xfrm>
+            <a:off x="2956727" y="978001"/>
+            <a:ext cx="6516009" cy="5677692"/>
+          </a:xfrm>
+          <a:prstGeom prst="rect">
+            <a:avLst/>
+          </a:prstGeom>
+        </p:spPr>
+      </p:pic>
     </p:spTree>
     <p:extLst>
       <p:ext uri="{BB962C8B-B14F-4D97-AF65-F5344CB8AC3E}">
-        <p14:creationId xmlns:p14="http://schemas.microsoft.com/office/powerpoint/2010/main" val="1351471530"/>
+        <p14:creationId xmlns:p14="http://schemas.microsoft.com/office/powerpoint/2010/main" val="4247929386"/>
       </p:ext>
     </p:extLst>
   </p:cSld>
@@ -5741,7 +6004,7 @@
           <p:cNvPr id="2" name="Заголовок 1">
             <a:extLst>
               <a:ext uri="{FF2B5EF4-FFF2-40B4-BE49-F238E27FC236}">
-                <a16:creationId xmlns:a16="http://schemas.microsoft.com/office/drawing/2014/main" id="{6BF00F07-044B-4169-BB08-D2F1E4E193F8}"/>
+                <a16:creationId xmlns:a16="http://schemas.microsoft.com/office/drawing/2014/main" id="{006B8C74-0CBC-44B1-B5B4-818F32BCF4E5}"/>
               </a:ext>
             </a:extLst>
           </p:cNvPr>
@@ -5749,27 +6012,32 @@
             <a:spLocks noGrp="1"/>
           </p:cNvSpPr>
           <p:nvPr>
-            <p:ph type="ctrTitle"/>
-          </p:nvPr>
-        </p:nvSpPr>
-        <p:spPr/>
+            <p:ph type="title"/>
+          </p:nvPr>
+        </p:nvSpPr>
+        <p:spPr>
+          <a:xfrm>
+            <a:off x="754912" y="111642"/>
+            <a:ext cx="9601200" cy="1485900"/>
+          </a:xfrm>
+        </p:spPr>
         <p:txBody>
           <a:bodyPr/>
           <a:lstStyle/>
           <a:p>
             <a:r>
               <a:rPr lang="ru-RU" dirty="0"/>
-              <a:t>СПАСИБО ЗА ВНИМАНИЕ</a:t>
-            </a:r>
-          </a:p>
-        </p:txBody>
-      </p:sp>
-      <p:sp>
-        <p:nvSpPr>
-          <p:cNvPr id="3" name="Подзаголовок 2">
+              <a:t>Демонстрация работы</a:t>
+            </a:r>
+          </a:p>
+        </p:txBody>
+      </p:sp>
+      <p:sp>
+        <p:nvSpPr>
+          <p:cNvPr id="4" name="Номер слайда 3">
             <a:extLst>
               <a:ext uri="{FF2B5EF4-FFF2-40B4-BE49-F238E27FC236}">
-                <a16:creationId xmlns:a16="http://schemas.microsoft.com/office/drawing/2014/main" id="{34B029D1-7014-4439-A691-5B3C629771F7}"/>
+                <a16:creationId xmlns:a16="http://schemas.microsoft.com/office/drawing/2014/main" id="{E8307351-73A0-4398-AC1B-584A1F5D6DE6}"/>
               </a:ext>
             </a:extLst>
           </p:cNvPr>
@@ -5777,7 +6045,7 @@
             <a:spLocks noGrp="1"/>
           </p:cNvSpPr>
           <p:nvPr>
-            <p:ph type="subTitle" idx="1"/>
+            <p:ph type="sldNum" sz="quarter" idx="12"/>
           </p:nvPr>
         </p:nvSpPr>
         <p:spPr/>
@@ -5785,14 +6053,367 @@
           <a:bodyPr/>
           <a:lstStyle/>
           <a:p>
+            <a:fld id="{69E57DC2-970A-4B3E-BB1C-7A09969E49DF}" type="slidenum">
+              <a:rPr lang="en-US" smtClean="0"/>
+              <a:t>17</a:t>
+            </a:fld>
+            <a:endParaRPr lang="en-US" dirty="0"/>
+          </a:p>
+        </p:txBody>
+      </p:sp>
+      <p:sp>
+        <p:nvSpPr>
+          <p:cNvPr id="7" name="Объект 6">
+            <a:extLst>
+              <a:ext uri="{FF2B5EF4-FFF2-40B4-BE49-F238E27FC236}">
+                <a16:creationId xmlns:a16="http://schemas.microsoft.com/office/drawing/2014/main" id="{90C77726-2AD4-46B8-A1FA-03BCE0827925}"/>
+              </a:ext>
+            </a:extLst>
+          </p:cNvPr>
+          <p:cNvSpPr>
+            <a:spLocks noGrp="1"/>
+          </p:cNvSpPr>
+          <p:nvPr>
+            <p:ph idx="1"/>
+          </p:nvPr>
+        </p:nvSpPr>
+        <p:spPr/>
+        <p:txBody>
+          <a:bodyPr/>
+          <a:lstStyle/>
+          <a:p>
             <a:endParaRPr lang="ru-RU"/>
           </a:p>
         </p:txBody>
       </p:sp>
+      <p:pic>
+        <p:nvPicPr>
+          <p:cNvPr id="5" name="Рисунок 4">
+            <a:extLst>
+              <a:ext uri="{FF2B5EF4-FFF2-40B4-BE49-F238E27FC236}">
+                <a16:creationId xmlns:a16="http://schemas.microsoft.com/office/drawing/2014/main" id="{63C62EF3-4180-44AB-BB6A-4A19BBCAE2F5}"/>
+              </a:ext>
+            </a:extLst>
+          </p:cNvPr>
+          <p:cNvPicPr>
+            <a:picLocks noChangeAspect="1"/>
+          </p:cNvPicPr>
+          <p:nvPr/>
+        </p:nvPicPr>
+        <p:blipFill>
+          <a:blip r:embed="rId2"/>
+          <a:stretch>
+            <a:fillRect/>
+          </a:stretch>
+        </p:blipFill>
+        <p:spPr>
+          <a:xfrm>
+            <a:off x="2832026" y="854592"/>
+            <a:ext cx="6527947" cy="5467635"/>
+          </a:xfrm>
+          <a:prstGeom prst="rect">
+            <a:avLst/>
+          </a:prstGeom>
+        </p:spPr>
+      </p:pic>
     </p:spTree>
     <p:extLst>
       <p:ext uri="{BB962C8B-B14F-4D97-AF65-F5344CB8AC3E}">
-        <p14:creationId xmlns:p14="http://schemas.microsoft.com/office/powerpoint/2010/main" val="2217566225"/>
+        <p14:creationId xmlns:p14="http://schemas.microsoft.com/office/powerpoint/2010/main" val="1089005238"/>
+      </p:ext>
+    </p:extLst>
+  </p:cSld>
+  <p:clrMapOvr>
+    <a:masterClrMapping/>
+  </p:clrMapOvr>
+</p:sld>
+</file>
+
+<file path=ppt/slides/slide18.xml><?xml version="1.0" encoding="utf-8"?>
+<p:sld xmlns:a="http://schemas.openxmlformats.org/drawingml/2006/main" xmlns:r="http://schemas.openxmlformats.org/officeDocument/2006/relationships" xmlns:p="http://schemas.openxmlformats.org/presentationml/2006/main">
+  <p:cSld>
+    <p:spTree>
+      <p:nvGrpSpPr>
+        <p:cNvPr id="1" name=""/>
+        <p:cNvGrpSpPr/>
+        <p:nvPr/>
+      </p:nvGrpSpPr>
+      <p:grpSpPr>
+        <a:xfrm>
+          <a:off x="0" y="0"/>
+          <a:ext cx="0" cy="0"/>
+          <a:chOff x="0" y="0"/>
+          <a:chExt cx="0" cy="0"/>
+        </a:xfrm>
+      </p:grpSpPr>
+      <p:sp>
+        <p:nvSpPr>
+          <p:cNvPr id="2" name="Заголовок 1">
+            <a:extLst>
+              <a:ext uri="{FF2B5EF4-FFF2-40B4-BE49-F238E27FC236}">
+                <a16:creationId xmlns:a16="http://schemas.microsoft.com/office/drawing/2014/main" id="{006B8C74-0CBC-44B1-B5B4-818F32BCF4E5}"/>
+              </a:ext>
+            </a:extLst>
+          </p:cNvPr>
+          <p:cNvSpPr>
+            <a:spLocks noGrp="1"/>
+          </p:cNvSpPr>
+          <p:nvPr>
+            <p:ph type="title"/>
+          </p:nvPr>
+        </p:nvSpPr>
+        <p:spPr>
+          <a:xfrm>
+            <a:off x="754912" y="111642"/>
+            <a:ext cx="9601200" cy="1485900"/>
+          </a:xfrm>
+        </p:spPr>
+        <p:txBody>
+          <a:bodyPr/>
+          <a:lstStyle/>
+          <a:p>
+            <a:r>
+              <a:rPr lang="ru-RU" dirty="0"/>
+              <a:t>Демонстрация работы</a:t>
+            </a:r>
+          </a:p>
+        </p:txBody>
+      </p:sp>
+      <p:sp>
+        <p:nvSpPr>
+          <p:cNvPr id="4" name="Номер слайда 3">
+            <a:extLst>
+              <a:ext uri="{FF2B5EF4-FFF2-40B4-BE49-F238E27FC236}">
+                <a16:creationId xmlns:a16="http://schemas.microsoft.com/office/drawing/2014/main" id="{E8307351-73A0-4398-AC1B-584A1F5D6DE6}"/>
+              </a:ext>
+            </a:extLst>
+          </p:cNvPr>
+          <p:cNvSpPr>
+            <a:spLocks noGrp="1"/>
+          </p:cNvSpPr>
+          <p:nvPr>
+            <p:ph type="sldNum" sz="quarter" idx="12"/>
+          </p:nvPr>
+        </p:nvSpPr>
+        <p:spPr/>
+        <p:txBody>
+          <a:bodyPr/>
+          <a:lstStyle/>
+          <a:p>
+            <a:fld id="{69E57DC2-970A-4B3E-BB1C-7A09969E49DF}" type="slidenum">
+              <a:rPr lang="en-US" smtClean="0"/>
+              <a:t>18</a:t>
+            </a:fld>
+            <a:endParaRPr lang="en-US" dirty="0"/>
+          </a:p>
+        </p:txBody>
+      </p:sp>
+      <p:sp>
+        <p:nvSpPr>
+          <p:cNvPr id="7" name="Объект 6">
+            <a:extLst>
+              <a:ext uri="{FF2B5EF4-FFF2-40B4-BE49-F238E27FC236}">
+                <a16:creationId xmlns:a16="http://schemas.microsoft.com/office/drawing/2014/main" id="{90C77726-2AD4-46B8-A1FA-03BCE0827925}"/>
+              </a:ext>
+            </a:extLst>
+          </p:cNvPr>
+          <p:cNvSpPr>
+            <a:spLocks noGrp="1"/>
+          </p:cNvSpPr>
+          <p:nvPr>
+            <p:ph idx="1"/>
+          </p:nvPr>
+        </p:nvSpPr>
+        <p:spPr/>
+        <p:txBody>
+          <a:bodyPr/>
+          <a:lstStyle/>
+          <a:p>
+            <a:endParaRPr lang="ru-RU"/>
+          </a:p>
+        </p:txBody>
+      </p:sp>
+      <p:pic>
+        <p:nvPicPr>
+          <p:cNvPr id="3" name="Рисунок 2">
+            <a:extLst>
+              <a:ext uri="{FF2B5EF4-FFF2-40B4-BE49-F238E27FC236}">
+                <a16:creationId xmlns:a16="http://schemas.microsoft.com/office/drawing/2014/main" id="{030977F8-9782-458E-B9F2-0B1F4129BADF}"/>
+              </a:ext>
+            </a:extLst>
+          </p:cNvPr>
+          <p:cNvPicPr>
+            <a:picLocks noChangeAspect="1"/>
+          </p:cNvPicPr>
+          <p:nvPr/>
+        </p:nvPicPr>
+        <p:blipFill>
+          <a:blip r:embed="rId2"/>
+          <a:stretch>
+            <a:fillRect/>
+          </a:stretch>
+        </p:blipFill>
+        <p:spPr>
+          <a:xfrm>
+            <a:off x="3541311" y="1810578"/>
+            <a:ext cx="5109378" cy="4224419"/>
+          </a:xfrm>
+          <a:prstGeom prst="rect">
+            <a:avLst/>
+          </a:prstGeom>
+        </p:spPr>
+      </p:pic>
+    </p:spTree>
+    <p:extLst>
+      <p:ext uri="{BB962C8B-B14F-4D97-AF65-F5344CB8AC3E}">
+        <p14:creationId xmlns:p14="http://schemas.microsoft.com/office/powerpoint/2010/main" val="2931803421"/>
+      </p:ext>
+    </p:extLst>
+  </p:cSld>
+  <p:clrMapOvr>
+    <a:masterClrMapping/>
+  </p:clrMapOvr>
+</p:sld>
+</file>
+
+<file path=ppt/slides/slide19.xml><?xml version="1.0" encoding="utf-8"?>
+<p:sld xmlns:a="http://schemas.openxmlformats.org/drawingml/2006/main" xmlns:r="http://schemas.openxmlformats.org/officeDocument/2006/relationships" xmlns:p="http://schemas.openxmlformats.org/presentationml/2006/main">
+  <p:cSld>
+    <p:spTree>
+      <p:nvGrpSpPr>
+        <p:cNvPr id="1" name=""/>
+        <p:cNvGrpSpPr/>
+        <p:nvPr/>
+      </p:nvGrpSpPr>
+      <p:grpSpPr>
+        <a:xfrm>
+          <a:off x="0" y="0"/>
+          <a:ext cx="0" cy="0"/>
+          <a:chOff x="0" y="0"/>
+          <a:chExt cx="0" cy="0"/>
+        </a:xfrm>
+      </p:grpSpPr>
+      <p:sp>
+        <p:nvSpPr>
+          <p:cNvPr id="2" name="Заголовок 1">
+            <a:extLst>
+              <a:ext uri="{FF2B5EF4-FFF2-40B4-BE49-F238E27FC236}">
+                <a16:creationId xmlns:a16="http://schemas.microsoft.com/office/drawing/2014/main" id="{006B8C74-0CBC-44B1-B5B4-818F32BCF4E5}"/>
+              </a:ext>
+            </a:extLst>
+          </p:cNvPr>
+          <p:cNvSpPr>
+            <a:spLocks noGrp="1"/>
+          </p:cNvSpPr>
+          <p:nvPr>
+            <p:ph type="title"/>
+          </p:nvPr>
+        </p:nvSpPr>
+        <p:spPr>
+          <a:xfrm>
+            <a:off x="754912" y="111642"/>
+            <a:ext cx="9601200" cy="1485900"/>
+          </a:xfrm>
+        </p:spPr>
+        <p:txBody>
+          <a:bodyPr/>
+          <a:lstStyle/>
+          <a:p>
+            <a:r>
+              <a:rPr lang="ru-RU" dirty="0"/>
+              <a:t>Демонстрация работы</a:t>
+            </a:r>
+          </a:p>
+        </p:txBody>
+      </p:sp>
+      <p:sp>
+        <p:nvSpPr>
+          <p:cNvPr id="4" name="Номер слайда 3">
+            <a:extLst>
+              <a:ext uri="{FF2B5EF4-FFF2-40B4-BE49-F238E27FC236}">
+                <a16:creationId xmlns:a16="http://schemas.microsoft.com/office/drawing/2014/main" id="{E8307351-73A0-4398-AC1B-584A1F5D6DE6}"/>
+              </a:ext>
+            </a:extLst>
+          </p:cNvPr>
+          <p:cNvSpPr>
+            <a:spLocks noGrp="1"/>
+          </p:cNvSpPr>
+          <p:nvPr>
+            <p:ph type="sldNum" sz="quarter" idx="12"/>
+          </p:nvPr>
+        </p:nvSpPr>
+        <p:spPr/>
+        <p:txBody>
+          <a:bodyPr/>
+          <a:lstStyle/>
+          <a:p>
+            <a:fld id="{69E57DC2-970A-4B3E-BB1C-7A09969E49DF}" type="slidenum">
+              <a:rPr lang="en-US" smtClean="0"/>
+              <a:t>19</a:t>
+            </a:fld>
+            <a:endParaRPr lang="en-US" dirty="0"/>
+          </a:p>
+        </p:txBody>
+      </p:sp>
+      <p:sp>
+        <p:nvSpPr>
+          <p:cNvPr id="7" name="Объект 6">
+            <a:extLst>
+              <a:ext uri="{FF2B5EF4-FFF2-40B4-BE49-F238E27FC236}">
+                <a16:creationId xmlns:a16="http://schemas.microsoft.com/office/drawing/2014/main" id="{90C77726-2AD4-46B8-A1FA-03BCE0827925}"/>
+              </a:ext>
+            </a:extLst>
+          </p:cNvPr>
+          <p:cNvSpPr>
+            <a:spLocks noGrp="1"/>
+          </p:cNvSpPr>
+          <p:nvPr>
+            <p:ph idx="1"/>
+          </p:nvPr>
+        </p:nvSpPr>
+        <p:spPr/>
+        <p:txBody>
+          <a:bodyPr/>
+          <a:lstStyle/>
+          <a:p>
+            <a:endParaRPr lang="ru-RU"/>
+          </a:p>
+        </p:txBody>
+      </p:sp>
+      <p:pic>
+        <p:nvPicPr>
+          <p:cNvPr id="5" name="Рисунок 4">
+            <a:extLst>
+              <a:ext uri="{FF2B5EF4-FFF2-40B4-BE49-F238E27FC236}">
+                <a16:creationId xmlns:a16="http://schemas.microsoft.com/office/drawing/2014/main" id="{3915E567-5F75-4DA9-8C59-CC91E7945871}"/>
+              </a:ext>
+            </a:extLst>
+          </p:cNvPr>
+          <p:cNvPicPr>
+            <a:picLocks noChangeAspect="1"/>
+          </p:cNvPicPr>
+          <p:nvPr/>
+        </p:nvPicPr>
+        <p:blipFill>
+          <a:blip r:embed="rId2"/>
+          <a:stretch>
+            <a:fillRect/>
+          </a:stretch>
+        </p:blipFill>
+        <p:spPr>
+          <a:xfrm>
+            <a:off x="1844191" y="1335905"/>
+            <a:ext cx="8656017" cy="4824488"/>
+          </a:xfrm>
+          <a:prstGeom prst="rect">
+            <a:avLst/>
+          </a:prstGeom>
+        </p:spPr>
+      </p:pic>
+    </p:spTree>
+    <p:extLst>
+      <p:ext uri="{BB962C8B-B14F-4D97-AF65-F5344CB8AC3E}">
+        <p14:creationId xmlns:p14="http://schemas.microsoft.com/office/powerpoint/2010/main" val="1393825991"/>
       </p:ext>
     </p:extLst>
   </p:cSld>
@@ -5837,8 +6458,8 @@
         </p:nvSpPr>
         <p:spPr>
           <a:xfrm>
-            <a:off x="1679944" y="909526"/>
-            <a:ext cx="9601200" cy="5038947"/>
+            <a:off x="1679944" y="499730"/>
+            <a:ext cx="9601200" cy="5448743"/>
           </a:xfrm>
         </p:spPr>
         <p:txBody>
@@ -6105,8 +6726,37 @@
             </a:r>
             <a:r>
               <a:rPr lang="ru-RU" dirty="0"/>
-              <a:t>Программирование и создание архитектуры</a:t>
-            </a:r>
+              <a:t>Программирование</a:t>
+            </a:r>
+            <a:r>
+              <a:rPr lang="en-US" dirty="0"/>
+              <a:t>, </a:t>
+            </a:r>
+            <a:r>
+              <a:rPr lang="ru-RU" dirty="0"/>
+              <a:t>создание архитектуры</a:t>
+            </a:r>
+            <a:r>
+              <a:rPr lang="en-US" dirty="0"/>
+              <a:t>,</a:t>
+            </a:r>
+            <a:r>
+              <a:rPr lang="ru-RU" dirty="0"/>
+              <a:t> написание ТЗ</a:t>
+            </a:r>
+            <a:r>
+              <a:rPr lang="en-US" dirty="0"/>
+              <a:t>, </a:t>
+            </a:r>
+            <a:r>
+              <a:rPr lang="ru-RU" dirty="0"/>
+              <a:t>деплой на </a:t>
+            </a:r>
+            <a:r>
+              <a:rPr lang="en-US" dirty="0"/>
+              <a:t>VDS</a:t>
+            </a:r>
+            <a:endParaRPr lang="ru-RU" dirty="0"/>
           </a:p>
           <a:p>
             <a:pPr marL="0" indent="0">
@@ -6126,6 +6776,14 @@
             </a:r>
             <a:r>
               <a:rPr lang="en-US" dirty="0"/>
+              <a:t> </a:t>
+            </a:r>
+            <a:r>
+              <a:rPr lang="ru-RU" dirty="0"/>
+              <a:t>веб-интерфейса</a:t>
+            </a:r>
+            <a:r>
+              <a:rPr lang="en-US" dirty="0"/>
               <a:t>,</a:t>
             </a:r>
             <a:r>
@@ -6155,7 +6813,15 @@
             </a:r>
             <a:r>
               <a:rPr lang="ru-RU" dirty="0"/>
-              <a:t> </a:t>
+              <a:t> презентация</a:t>
+            </a:r>
+            <a:r>
+              <a:rPr lang="en-US" dirty="0"/>
+              <a:t>,</a:t>
+            </a:r>
+            <a:r>
+              <a:rPr lang="ru-RU" dirty="0"/>
+              <a:t> создание плана работ </a:t>
             </a:r>
           </a:p>
           <a:p>
@@ -6180,17 +6846,25 @@
             </a:r>
             <a:r>
               <a:rPr lang="ru-RU" dirty="0"/>
-              <a:t> Улугбек-Угли – Создание БД</a:t>
-            </a:r>
-            <a:endParaRPr lang="en-US" dirty="0"/>
+              <a:t> Улугбек-Угли –Программирование</a:t>
+            </a:r>
+            <a:r>
+              <a:rPr lang="en-US" dirty="0"/>
+              <a:t>	</a:t>
+            </a:r>
+            <a:endParaRPr lang="ru-RU" dirty="0"/>
           </a:p>
           <a:p>
             <a:pPr marL="0" indent="0">
               <a:buNone/>
             </a:pPr>
             <a:r>
+              <a:rPr lang="ru-RU" dirty="0"/>
+              <a:t>	</a:t>
+            </a:r>
+            <a:r>
               <a:rPr lang="en-US" dirty="0"/>
-              <a:t>	- </a:t>
+              <a:t>- </a:t>
             </a:r>
             <a:r>
               <a:rPr lang="ru-RU" dirty="0" err="1"/>
@@ -6247,6 +6921,247 @@
     <p:extLst>
       <p:ext uri="{BB962C8B-B14F-4D97-AF65-F5344CB8AC3E}">
         <p14:creationId xmlns:p14="http://schemas.microsoft.com/office/powerpoint/2010/main" val="3694114557"/>
+      </p:ext>
+    </p:extLst>
+  </p:cSld>
+  <p:clrMapOvr>
+    <a:masterClrMapping/>
+  </p:clrMapOvr>
+</p:sld>
+</file>
+
+<file path=ppt/slides/slide20.xml><?xml version="1.0" encoding="utf-8"?>
+<p:sld xmlns:a="http://schemas.openxmlformats.org/drawingml/2006/main" xmlns:r="http://schemas.openxmlformats.org/officeDocument/2006/relationships" xmlns:p="http://schemas.openxmlformats.org/presentationml/2006/main">
+  <p:cSld>
+    <p:spTree>
+      <p:nvGrpSpPr>
+        <p:cNvPr id="1" name=""/>
+        <p:cNvGrpSpPr/>
+        <p:nvPr/>
+      </p:nvGrpSpPr>
+      <p:grpSpPr>
+        <a:xfrm>
+          <a:off x="0" y="0"/>
+          <a:ext cx="0" cy="0"/>
+          <a:chOff x="0" y="0"/>
+          <a:chExt cx="0" cy="0"/>
+        </a:xfrm>
+      </p:grpSpPr>
+      <p:sp>
+        <p:nvSpPr>
+          <p:cNvPr id="2" name="Заголовок 1">
+            <a:extLst>
+              <a:ext uri="{FF2B5EF4-FFF2-40B4-BE49-F238E27FC236}">
+                <a16:creationId xmlns:a16="http://schemas.microsoft.com/office/drawing/2014/main" id="{1D0E600C-065C-4740-AE64-BEB00E688DE3}"/>
+              </a:ext>
+            </a:extLst>
+          </p:cNvPr>
+          <p:cNvSpPr>
+            <a:spLocks noGrp="1"/>
+          </p:cNvSpPr>
+          <p:nvPr>
+            <p:ph type="title"/>
+          </p:nvPr>
+        </p:nvSpPr>
+        <p:spPr/>
+        <p:txBody>
+          <a:bodyPr/>
+          <a:lstStyle/>
+          <a:p>
+            <a:r>
+              <a:rPr lang="ru-RU" dirty="0"/>
+              <a:t>Заключение</a:t>
+            </a:r>
+          </a:p>
+        </p:txBody>
+      </p:sp>
+      <p:sp>
+        <p:nvSpPr>
+          <p:cNvPr id="3" name="Объект 2">
+            <a:extLst>
+              <a:ext uri="{FF2B5EF4-FFF2-40B4-BE49-F238E27FC236}">
+                <a16:creationId xmlns:a16="http://schemas.microsoft.com/office/drawing/2014/main" id="{14A50855-A4D6-4CEC-9A3E-FC2ED9A70316}"/>
+              </a:ext>
+            </a:extLst>
+          </p:cNvPr>
+          <p:cNvSpPr>
+            <a:spLocks noGrp="1"/>
+          </p:cNvSpPr>
+          <p:nvPr>
+            <p:ph idx="1"/>
+          </p:nvPr>
+        </p:nvSpPr>
+        <p:spPr/>
+        <p:txBody>
+          <a:bodyPr>
+            <a:normAutofit/>
+          </a:bodyPr>
+          <a:lstStyle/>
+          <a:p>
+            <a:r>
+              <a:rPr lang="ru-RU" sz="3000" dirty="0"/>
+              <a:t>Проведен опрос среди студентов</a:t>
+            </a:r>
+          </a:p>
+          <a:p>
+            <a:r>
+              <a:rPr lang="ru-RU" sz="3000" dirty="0"/>
+              <a:t>Прописан сценарий пользователя</a:t>
+            </a:r>
+            <a:endParaRPr lang="en-US" sz="3000" dirty="0"/>
+          </a:p>
+          <a:p>
+            <a:r>
+              <a:rPr lang="ru-RU" sz="3000" dirty="0"/>
+              <a:t>Выполнен макет веб-интерфейса</a:t>
+            </a:r>
+          </a:p>
+          <a:p>
+            <a:r>
+              <a:rPr lang="ru-RU" sz="3000" dirty="0"/>
+              <a:t>Реализована функция просмотра стоимости обучения и плана обучения</a:t>
+            </a:r>
+          </a:p>
+          <a:p>
+            <a:r>
+              <a:rPr lang="ru-RU" sz="3000" dirty="0"/>
+              <a:t>Бот выгружен на </a:t>
+            </a:r>
+            <a:r>
+              <a:rPr lang="en-US" sz="3000" dirty="0"/>
+              <a:t>VPS </a:t>
+            </a:r>
+            <a:r>
+              <a:rPr lang="ru-RU" sz="3000" dirty="0"/>
+              <a:t>и запущен в качестве демона</a:t>
+            </a:r>
+          </a:p>
+          <a:p>
+            <a:endParaRPr lang="ru-RU" sz="3000" dirty="0"/>
+          </a:p>
+        </p:txBody>
+      </p:sp>
+      <p:sp>
+        <p:nvSpPr>
+          <p:cNvPr id="4" name="Номер слайда 3">
+            <a:extLst>
+              <a:ext uri="{FF2B5EF4-FFF2-40B4-BE49-F238E27FC236}">
+                <a16:creationId xmlns:a16="http://schemas.microsoft.com/office/drawing/2014/main" id="{C15594A3-8E1E-4966-9C73-AE624370B21A}"/>
+              </a:ext>
+            </a:extLst>
+          </p:cNvPr>
+          <p:cNvSpPr>
+            <a:spLocks noGrp="1"/>
+          </p:cNvSpPr>
+          <p:nvPr>
+            <p:ph type="sldNum" sz="quarter" idx="12"/>
+          </p:nvPr>
+        </p:nvSpPr>
+        <p:spPr>
+          <a:xfrm>
+            <a:off x="10174654" y="6172200"/>
+            <a:ext cx="1596292" cy="404614"/>
+          </a:xfrm>
+        </p:spPr>
+        <p:txBody>
+          <a:bodyPr/>
+          <a:lstStyle/>
+          <a:p>
+            <a:fld id="{69E57DC2-970A-4B3E-BB1C-7A09969E49DF}" type="slidenum">
+              <a:rPr lang="en-US" sz="2000" smtClean="0"/>
+              <a:t>20</a:t>
+            </a:fld>
+            <a:endParaRPr lang="en-US" sz="2000" dirty="0"/>
+          </a:p>
+        </p:txBody>
+      </p:sp>
+    </p:spTree>
+    <p:extLst>
+      <p:ext uri="{BB962C8B-B14F-4D97-AF65-F5344CB8AC3E}">
+        <p14:creationId xmlns:p14="http://schemas.microsoft.com/office/powerpoint/2010/main" val="1351471530"/>
+      </p:ext>
+    </p:extLst>
+  </p:cSld>
+  <p:clrMapOvr>
+    <a:masterClrMapping/>
+  </p:clrMapOvr>
+</p:sld>
+</file>
+
+<file path=ppt/slides/slide21.xml><?xml version="1.0" encoding="utf-8"?>
+<p:sld xmlns:a="http://schemas.openxmlformats.org/drawingml/2006/main" xmlns:r="http://schemas.openxmlformats.org/officeDocument/2006/relationships" xmlns:p="http://schemas.openxmlformats.org/presentationml/2006/main">
+  <p:cSld>
+    <p:spTree>
+      <p:nvGrpSpPr>
+        <p:cNvPr id="1" name=""/>
+        <p:cNvGrpSpPr/>
+        <p:nvPr/>
+      </p:nvGrpSpPr>
+      <p:grpSpPr>
+        <a:xfrm>
+          <a:off x="0" y="0"/>
+          <a:ext cx="0" cy="0"/>
+          <a:chOff x="0" y="0"/>
+          <a:chExt cx="0" cy="0"/>
+        </a:xfrm>
+      </p:grpSpPr>
+      <p:sp>
+        <p:nvSpPr>
+          <p:cNvPr id="2" name="Заголовок 1">
+            <a:extLst>
+              <a:ext uri="{FF2B5EF4-FFF2-40B4-BE49-F238E27FC236}">
+                <a16:creationId xmlns:a16="http://schemas.microsoft.com/office/drawing/2014/main" id="{6BF00F07-044B-4169-BB08-D2F1E4E193F8}"/>
+              </a:ext>
+            </a:extLst>
+          </p:cNvPr>
+          <p:cNvSpPr>
+            <a:spLocks noGrp="1"/>
+          </p:cNvSpPr>
+          <p:nvPr>
+            <p:ph type="ctrTitle"/>
+          </p:nvPr>
+        </p:nvSpPr>
+        <p:spPr/>
+        <p:txBody>
+          <a:bodyPr/>
+          <a:lstStyle/>
+          <a:p>
+            <a:r>
+              <a:rPr lang="ru-RU" dirty="0"/>
+              <a:t>СПАСИБО ЗА ВНИМАНИЕ</a:t>
+            </a:r>
+          </a:p>
+        </p:txBody>
+      </p:sp>
+      <p:sp>
+        <p:nvSpPr>
+          <p:cNvPr id="3" name="Подзаголовок 2">
+            <a:extLst>
+              <a:ext uri="{FF2B5EF4-FFF2-40B4-BE49-F238E27FC236}">
+                <a16:creationId xmlns:a16="http://schemas.microsoft.com/office/drawing/2014/main" id="{34B029D1-7014-4439-A691-5B3C629771F7}"/>
+              </a:ext>
+            </a:extLst>
+          </p:cNvPr>
+          <p:cNvSpPr>
+            <a:spLocks noGrp="1"/>
+          </p:cNvSpPr>
+          <p:nvPr>
+            <p:ph type="subTitle" idx="1"/>
+          </p:nvPr>
+        </p:nvSpPr>
+        <p:spPr/>
+        <p:txBody>
+          <a:bodyPr/>
+          <a:lstStyle/>
+          <a:p>
+            <a:endParaRPr lang="ru-RU"/>
+          </a:p>
+        </p:txBody>
+      </p:sp>
+    </p:spTree>
+    <p:extLst>
+      <p:ext uri="{BB962C8B-B14F-4D97-AF65-F5344CB8AC3E}">
+        <p14:creationId xmlns:p14="http://schemas.microsoft.com/office/powerpoint/2010/main" val="2217566225"/>
       </p:ext>
     </p:extLst>
   </p:cSld>
@@ -6317,20 +7232,40 @@
             <p:ph idx="1"/>
           </p:nvPr>
         </p:nvSpPr>
-        <p:spPr/>
+        <p:spPr>
+          <a:xfrm>
+            <a:off x="1371600" y="1743740"/>
+            <a:ext cx="9601200" cy="4123660"/>
+          </a:xfrm>
+        </p:spPr>
         <p:txBody>
           <a:bodyPr/>
           <a:lstStyle/>
           <a:p>
             <a:r>
               <a:rPr lang="ru-RU" sz="2700" dirty="0"/>
-              <a:t>Разработать удобного чат-бота для абитуриентов в среде </a:t>
+              <a:t>Разработать систему чат-бота для абитуриентов встраиваемую в разные среды (</a:t>
+            </a:r>
+            <a:r>
+              <a:rPr lang="ru-RU" sz="2700" dirty="0" err="1"/>
+              <a:t>телеграм</a:t>
             </a:r>
             <a:r>
               <a:rPr lang="en-US" sz="2700" dirty="0"/>
-              <a:t>Telegram</a:t>
-            </a:r>
-            <a:endParaRPr lang="ru-RU" sz="2700" dirty="0"/>
+              <a:t>,</a:t>
+            </a:r>
+            <a:r>
+              <a:rPr lang="ru-RU" sz="2700" dirty="0"/>
+              <a:t> </a:t>
+            </a:r>
+            <a:r>
+              <a:rPr lang="en-US" sz="2700" dirty="0"/>
+              <a:t>web</a:t>
+            </a:r>
+            <a:r>
+              <a:rPr lang="ru-RU" sz="2700" dirty="0"/>
+              <a:t>)</a:t>
+            </a:r>
           </a:p>
           <a:p>
             <a:r>
@@ -6611,47 +7546,59 @@
           </a:p>
         </p:txBody>
       </p:sp>
+      <p:sp>
+        <p:nvSpPr>
+          <p:cNvPr id="5" name="Объект 4">
+            <a:extLst>
+              <a:ext uri="{FF2B5EF4-FFF2-40B4-BE49-F238E27FC236}">
+                <a16:creationId xmlns:a16="http://schemas.microsoft.com/office/drawing/2014/main" id="{A842836C-42C3-4327-ABD8-F76FFDFE0CB2}"/>
+              </a:ext>
+            </a:extLst>
+          </p:cNvPr>
+          <p:cNvSpPr>
+            <a:spLocks noGrp="1"/>
+          </p:cNvSpPr>
+          <p:nvPr>
+            <p:ph idx="1"/>
+          </p:nvPr>
+        </p:nvSpPr>
+        <p:spPr/>
+        <p:txBody>
+          <a:bodyPr/>
+          <a:lstStyle/>
+          <a:p>
+            <a:endParaRPr lang="ru-RU"/>
+          </a:p>
+        </p:txBody>
+      </p:sp>
       <p:pic>
         <p:nvPicPr>
-          <p:cNvPr id="7" name="Объект 6">
+          <p:cNvPr id="6" name="Рисунок 5">
             <a:extLst>
               <a:ext uri="{FF2B5EF4-FFF2-40B4-BE49-F238E27FC236}">
-                <a16:creationId xmlns:a16="http://schemas.microsoft.com/office/drawing/2014/main" id="{D23B8A46-A66C-47C5-816A-24D242FFC0DD}"/>
+                <a16:creationId xmlns:a16="http://schemas.microsoft.com/office/drawing/2014/main" id="{B53C4DE7-E483-4B85-8C7D-20646AFC6901}"/>
               </a:ext>
             </a:extLst>
           </p:cNvPr>
           <p:cNvPicPr>
-            <a:picLocks noGrp="1"/>
+            <a:picLocks noChangeAspect="1"/>
           </p:cNvPicPr>
-          <p:nvPr>
-            <p:ph idx="1"/>
-          </p:nvPr>
+          <p:nvPr/>
         </p:nvPicPr>
         <p:blipFill>
-          <a:blip r:embed="rId2" cstate="print">
-            <a:extLst>
-              <a:ext uri="{28A0092B-C50C-407E-A947-70E740481C1C}">
-                <a14:useLocalDpi xmlns:a14="http://schemas.microsoft.com/office/drawing/2010/main" val="0"/>
-              </a:ext>
-            </a:extLst>
-          </a:blip>
-          <a:srcRect/>
+          <a:blip r:embed="rId2"/>
           <a:stretch>
             <a:fillRect/>
           </a:stretch>
         </p:blipFill>
-        <p:spPr bwMode="auto">
-          <a:xfrm>
-            <a:off x="739401" y="631308"/>
-            <a:ext cx="11278519" cy="4743450"/>
+        <p:spPr>
+          <a:xfrm>
+            <a:off x="1094666" y="1267537"/>
+            <a:ext cx="10155067" cy="4067743"/>
           </a:xfrm>
           <a:prstGeom prst="rect">
             <a:avLst/>
           </a:prstGeom>
-          <a:noFill/>
-          <a:ln>
-            <a:noFill/>
-          </a:ln>
         </p:spPr>
       </p:pic>
     </p:spTree>
@@ -6778,41 +7725,32 @@
       </p:sp>
       <p:pic>
         <p:nvPicPr>
-          <p:cNvPr id="8" name="Рисунок 7">
+          <p:cNvPr id="3" name="Рисунок 2">
             <a:extLst>
               <a:ext uri="{FF2B5EF4-FFF2-40B4-BE49-F238E27FC236}">
-                <a16:creationId xmlns:a16="http://schemas.microsoft.com/office/drawing/2014/main" id="{1C9C2F62-0D68-4887-A284-0B8102EF4E85}"/>
+                <a16:creationId xmlns:a16="http://schemas.microsoft.com/office/drawing/2014/main" id="{10DB2551-A026-4BAE-BFDA-EE206DC19403}"/>
               </a:ext>
             </a:extLst>
           </p:cNvPr>
-          <p:cNvPicPr/>
+          <p:cNvPicPr>
+            <a:picLocks noChangeAspect="1"/>
+          </p:cNvPicPr>
           <p:nvPr/>
         </p:nvPicPr>
         <p:blipFill>
-          <a:blip r:embed="rId2" cstate="print">
-            <a:extLst>
-              <a:ext uri="{28A0092B-C50C-407E-A947-70E740481C1C}">
-                <a14:useLocalDpi xmlns:a14="http://schemas.microsoft.com/office/drawing/2010/main" val="0"/>
-              </a:ext>
-            </a:extLst>
-          </a:blip>
-          <a:srcRect/>
+          <a:blip r:embed="rId2"/>
           <a:stretch>
             <a:fillRect/>
           </a:stretch>
         </p:blipFill>
-        <p:spPr bwMode="auto">
-          <a:xfrm>
-            <a:off x="731499" y="742950"/>
-            <a:ext cx="10881402" cy="5529683"/>
+        <p:spPr>
+          <a:xfrm>
+            <a:off x="785812" y="895350"/>
+            <a:ext cx="10620375" cy="5067300"/>
           </a:xfrm>
           <a:prstGeom prst="rect">
             <a:avLst/>
           </a:prstGeom>
-          <a:noFill/>
-          <a:ln>
-            <a:noFill/>
-          </a:ln>
         </p:spPr>
       </p:pic>
     </p:spTree>
@@ -7010,7 +7948,7 @@
           <p:cNvPr id="2" name="Заголовок 1">
             <a:extLst>
               <a:ext uri="{FF2B5EF4-FFF2-40B4-BE49-F238E27FC236}">
-                <a16:creationId xmlns:a16="http://schemas.microsoft.com/office/drawing/2014/main" id="{44E68DE6-F232-42F0-AE2F-03E9DCFE09D9}"/>
+                <a16:creationId xmlns:a16="http://schemas.microsoft.com/office/drawing/2014/main" id="{2FA005D2-3E3C-47FE-B349-D9B057D6A382}"/>
               </a:ext>
             </a:extLst>
           </p:cNvPr>
@@ -7021,29 +7959,24 @@
             <p:ph type="title"/>
           </p:nvPr>
         </p:nvSpPr>
-        <p:spPr>
-          <a:xfrm>
-            <a:off x="1371600" y="245038"/>
-            <a:ext cx="9601200" cy="1485900"/>
-          </a:xfrm>
-        </p:spPr>
+        <p:spPr/>
         <p:txBody>
           <a:bodyPr/>
           <a:lstStyle/>
           <a:p>
             <a:r>
               <a:rPr lang="ru-RU" dirty="0"/>
-              <a:t>Необходимая информация (опрос чего хотели бы)</a:t>
-            </a:r>
-          </a:p>
-        </p:txBody>
-      </p:sp>
-      <p:sp>
-        <p:nvSpPr>
-          <p:cNvPr id="3" name="Объект 2">
+              <a:t>Используемые технологии</a:t>
+            </a:r>
+          </a:p>
+        </p:txBody>
+      </p:sp>
+      <p:sp>
+        <p:nvSpPr>
+          <p:cNvPr id="4" name="Номер слайда 3">
             <a:extLst>
               <a:ext uri="{FF2B5EF4-FFF2-40B4-BE49-F238E27FC236}">
-                <a16:creationId xmlns:a16="http://schemas.microsoft.com/office/drawing/2014/main" id="{4C3C646C-6136-4248-9C92-909537CFDC77}"/>
+                <a16:creationId xmlns:a16="http://schemas.microsoft.com/office/drawing/2014/main" id="{E870FEA6-CCAE-45C4-A959-B5F40026297D}"/>
               </a:ext>
             </a:extLst>
           </p:cNvPr>
@@ -7051,99 +7984,12 @@
             <a:spLocks noGrp="1"/>
           </p:cNvSpPr>
           <p:nvPr>
-            <p:ph idx="1"/>
-          </p:nvPr>
-        </p:nvSpPr>
-        <p:spPr>
-          <a:xfrm>
-            <a:off x="1371600" y="1662545"/>
-            <a:ext cx="9601200" cy="4204855"/>
-          </a:xfrm>
-        </p:spPr>
-        <p:txBody>
-          <a:bodyPr>
-            <a:normAutofit/>
-          </a:bodyPr>
-          <a:lstStyle/>
-          <a:p>
-            <a:pPr lvl="0"/>
-            <a:r>
-              <a:rPr lang="ru-RU" dirty="0"/>
-              <a:t>Стоимость обучения</a:t>
-            </a:r>
-          </a:p>
-          <a:p>
-            <a:pPr lvl="0"/>
-            <a:r>
-              <a:rPr lang="ru-RU" dirty="0"/>
-              <a:t>Количество баллов для поступления</a:t>
-            </a:r>
-            <a:endParaRPr lang="ru-RU" sz="1600" dirty="0"/>
-          </a:p>
-          <a:p>
-            <a:pPr lvl="0"/>
-            <a:r>
-              <a:rPr lang="ru-RU" dirty="0"/>
-              <a:t>План обучения</a:t>
-            </a:r>
-            <a:endParaRPr lang="ru-RU" sz="1600" dirty="0"/>
-          </a:p>
-          <a:p>
-            <a:pPr lvl="0"/>
-            <a:r>
-              <a:rPr lang="ru-RU" dirty="0"/>
-              <a:t>Вступительные экзамены и минимальные баллы (специалитет, магистратура, бакалавриат)</a:t>
-            </a:r>
-            <a:endParaRPr lang="ru-RU" sz="1600" dirty="0"/>
-          </a:p>
-          <a:p>
-            <a:pPr lvl="0"/>
-            <a:r>
-              <a:rPr lang="ru-RU" dirty="0"/>
-              <a:t>Даты приема документов</a:t>
-            </a:r>
-            <a:endParaRPr lang="ru-RU" sz="1600" dirty="0"/>
-          </a:p>
-          <a:p>
-            <a:pPr lvl="0"/>
-            <a:r>
-              <a:rPr lang="ru-RU" dirty="0"/>
-              <a:t>Пошаговая инструкция подачи документов онлайн</a:t>
-            </a:r>
-            <a:endParaRPr lang="ru-RU" sz="1600" dirty="0"/>
-          </a:p>
-          <a:p>
-            <a:pPr lvl="0"/>
-            <a:r>
-              <a:rPr lang="ru-RU" dirty="0"/>
-              <a:t>Информация о общежитии выбранного института</a:t>
-            </a:r>
-            <a:endParaRPr lang="ru-RU" sz="1600" dirty="0"/>
-          </a:p>
-          <a:p>
-            <a:endParaRPr lang="ru-RU" dirty="0"/>
-          </a:p>
-        </p:txBody>
-      </p:sp>
-      <p:sp>
-        <p:nvSpPr>
-          <p:cNvPr id="4" name="Номер слайда 3">
-            <a:extLst>
-              <a:ext uri="{FF2B5EF4-FFF2-40B4-BE49-F238E27FC236}">
-                <a16:creationId xmlns:a16="http://schemas.microsoft.com/office/drawing/2014/main" id="{3B5E47BB-3378-4644-A88E-C6BB2014B116}"/>
-              </a:ext>
-            </a:extLst>
-          </p:cNvPr>
-          <p:cNvSpPr>
-            <a:spLocks noGrp="1"/>
-          </p:cNvSpPr>
-          <p:nvPr>
             <p:ph type="sldNum" sz="quarter" idx="12"/>
           </p:nvPr>
         </p:nvSpPr>
         <p:spPr>
           <a:xfrm>
-            <a:off x="10174654" y="6272632"/>
+            <a:off x="10174654" y="6272633"/>
             <a:ext cx="1596292" cy="404614"/>
           </a:xfrm>
         </p:spPr>
@@ -7159,10 +8005,132 @@
           </a:p>
         </p:txBody>
       </p:sp>
+      <p:sp>
+        <p:nvSpPr>
+          <p:cNvPr id="7" name="Объект 6">
+            <a:extLst>
+              <a:ext uri="{FF2B5EF4-FFF2-40B4-BE49-F238E27FC236}">
+                <a16:creationId xmlns:a16="http://schemas.microsoft.com/office/drawing/2014/main" id="{0BE3EDAF-0289-4B4C-BA4A-C460A583BE2F}"/>
+              </a:ext>
+            </a:extLst>
+          </p:cNvPr>
+          <p:cNvSpPr>
+            <a:spLocks noGrp="1"/>
+          </p:cNvSpPr>
+          <p:nvPr>
+            <p:ph idx="1"/>
+          </p:nvPr>
+        </p:nvSpPr>
+        <p:spPr/>
+        <p:txBody>
+          <a:bodyPr>
+            <a:normAutofit/>
+          </a:bodyPr>
+          <a:lstStyle/>
+          <a:p>
+            <a:r>
+              <a:rPr lang="en-US" sz="3000" dirty="0"/>
+              <a:t>Node </a:t>
+            </a:r>
+            <a:r>
+              <a:rPr lang="en-US" sz="3000" dirty="0" err="1"/>
+              <a:t>js</a:t>
+            </a:r>
+            <a:r>
+              <a:rPr lang="en-US" sz="3000" dirty="0"/>
+              <a:t> </a:t>
+            </a:r>
+          </a:p>
+          <a:p>
+            <a:r>
+              <a:rPr lang="en-US" sz="3000" dirty="0"/>
+              <a:t>Node-telegram-bot-</a:t>
+            </a:r>
+            <a:r>
+              <a:rPr lang="en-US" sz="3000" dirty="0" err="1"/>
+              <a:t>api</a:t>
+            </a:r>
+            <a:r>
+              <a:rPr lang="en-US" sz="3000" dirty="0"/>
+              <a:t> – </a:t>
+            </a:r>
+            <a:r>
+              <a:rPr lang="ru-RU" sz="3000" dirty="0"/>
+              <a:t>библиотека для </a:t>
+            </a:r>
+            <a:r>
+              <a:rPr lang="en-US" sz="3000" dirty="0"/>
+              <a:t>node</a:t>
+            </a:r>
+          </a:p>
+          <a:p>
+            <a:r>
+              <a:rPr lang="en-US" sz="3000" dirty="0"/>
+              <a:t>Cheer </a:t>
+            </a:r>
+            <a:r>
+              <a:rPr lang="en-US" sz="3000" dirty="0" err="1"/>
+              <a:t>io</a:t>
+            </a:r>
+            <a:r>
+              <a:rPr lang="en-US" sz="3000" dirty="0"/>
+              <a:t> – </a:t>
+            </a:r>
+            <a:r>
+              <a:rPr lang="ru-RU" sz="3000" dirty="0"/>
+              <a:t>парсер </a:t>
+            </a:r>
+            <a:r>
+              <a:rPr lang="en-US" sz="3000" dirty="0"/>
+              <a:t>html </a:t>
+            </a:r>
+            <a:r>
+              <a:rPr lang="ru-RU" sz="3000" dirty="0"/>
+              <a:t>для </a:t>
+            </a:r>
+            <a:r>
+              <a:rPr lang="en-US" sz="3000" dirty="0"/>
+              <a:t>node</a:t>
+            </a:r>
+          </a:p>
+          <a:p>
+            <a:r>
+              <a:rPr lang="en-US" sz="3000" dirty="0"/>
+              <a:t>Docx-parser – </a:t>
+            </a:r>
+            <a:r>
+              <a:rPr lang="ru-RU" sz="3000" dirty="0"/>
+              <a:t>парсер </a:t>
+            </a:r>
+            <a:r>
+              <a:rPr lang="en-US" sz="3000" dirty="0"/>
+              <a:t>word </a:t>
+            </a:r>
+            <a:r>
+              <a:rPr lang="ru-RU" sz="3000" dirty="0"/>
+              <a:t>документов</a:t>
+            </a:r>
+          </a:p>
+          <a:p>
+            <a:r>
+              <a:rPr lang="en-US" sz="3000" dirty="0"/>
+              <a:t>Pm2</a:t>
+            </a:r>
+            <a:r>
+              <a:rPr lang="ru-RU" sz="3000" dirty="0"/>
+              <a:t> – линукс процесс менеджер для </a:t>
+            </a:r>
+            <a:r>
+              <a:rPr lang="en-US" sz="3000" dirty="0"/>
+              <a:t>node</a:t>
+            </a:r>
+          </a:p>
+        </p:txBody>
+      </p:sp>
     </p:spTree>
     <p:extLst>
       <p:ext uri="{BB962C8B-B14F-4D97-AF65-F5344CB8AC3E}">
-        <p14:creationId xmlns:p14="http://schemas.microsoft.com/office/powerpoint/2010/main" val="6538499"/>
+        <p14:creationId xmlns:p14="http://schemas.microsoft.com/office/powerpoint/2010/main" val="4290014039"/>
       </p:ext>
     </p:extLst>
   </p:cSld>
@@ -7194,7 +8162,7 @@
           <p:cNvPr id="2" name="Заголовок 1">
             <a:extLst>
               <a:ext uri="{FF2B5EF4-FFF2-40B4-BE49-F238E27FC236}">
-                <a16:creationId xmlns:a16="http://schemas.microsoft.com/office/drawing/2014/main" id="{2FA005D2-3E3C-47FE-B349-D9B057D6A382}"/>
+                <a16:creationId xmlns:a16="http://schemas.microsoft.com/office/drawing/2014/main" id="{44E68DE6-F232-42F0-AE2F-03E9DCFE09D9}"/>
               </a:ext>
             </a:extLst>
           </p:cNvPr>
@@ -7205,15 +8173,107 @@
             <p:ph type="title"/>
           </p:nvPr>
         </p:nvSpPr>
-        <p:spPr/>
+        <p:spPr>
+          <a:xfrm>
+            <a:off x="1371600" y="245038"/>
+            <a:ext cx="9601200" cy="1485900"/>
+          </a:xfrm>
+        </p:spPr>
         <p:txBody>
           <a:bodyPr/>
           <a:lstStyle/>
           <a:p>
             <a:r>
               <a:rPr lang="ru-RU" dirty="0"/>
-              <a:t>Используемые технологии</a:t>
-            </a:r>
+              <a:t>Необходимая информация</a:t>
+            </a:r>
+          </a:p>
+        </p:txBody>
+      </p:sp>
+      <p:sp>
+        <p:nvSpPr>
+          <p:cNvPr id="3" name="Объект 2">
+            <a:extLst>
+              <a:ext uri="{FF2B5EF4-FFF2-40B4-BE49-F238E27FC236}">
+                <a16:creationId xmlns:a16="http://schemas.microsoft.com/office/drawing/2014/main" id="{4C3C646C-6136-4248-9C92-909537CFDC77}"/>
+              </a:ext>
+            </a:extLst>
+          </p:cNvPr>
+          <p:cNvSpPr>
+            <a:spLocks noGrp="1"/>
+          </p:cNvSpPr>
+          <p:nvPr>
+            <p:ph idx="1"/>
+          </p:nvPr>
+        </p:nvSpPr>
+        <p:spPr>
+          <a:xfrm>
+            <a:off x="1371600" y="1662545"/>
+            <a:ext cx="9601200" cy="5014701"/>
+          </a:xfrm>
+        </p:spPr>
+        <p:txBody>
+          <a:bodyPr>
+            <a:normAutofit/>
+          </a:bodyPr>
+          <a:lstStyle/>
+          <a:p>
+            <a:pPr lvl="0"/>
+            <a:r>
+              <a:rPr lang="ru-RU" dirty="0"/>
+              <a:t>Стоимость обучения</a:t>
+            </a:r>
+          </a:p>
+          <a:p>
+            <a:pPr lvl="0"/>
+            <a:r>
+              <a:rPr lang="ru-RU" dirty="0"/>
+              <a:t>Количество баллов для поступления</a:t>
+            </a:r>
+            <a:endParaRPr lang="ru-RU" sz="1600" dirty="0"/>
+          </a:p>
+          <a:p>
+            <a:pPr lvl="0"/>
+            <a:r>
+              <a:rPr lang="ru-RU" dirty="0"/>
+              <a:t>План обучения</a:t>
+            </a:r>
+            <a:endParaRPr lang="ru-RU" sz="1600" dirty="0"/>
+          </a:p>
+          <a:p>
+            <a:pPr lvl="0"/>
+            <a:r>
+              <a:rPr lang="ru-RU" dirty="0"/>
+              <a:t>Вступительные экзамены и минимальные баллы (специалитет, магистратура, бакалавриат)</a:t>
+            </a:r>
+            <a:endParaRPr lang="ru-RU" sz="1600" dirty="0"/>
+          </a:p>
+          <a:p>
+            <a:pPr lvl="0"/>
+            <a:r>
+              <a:rPr lang="ru-RU" dirty="0"/>
+              <a:t>Даты приема документов</a:t>
+            </a:r>
+            <a:endParaRPr lang="ru-RU" sz="1600" dirty="0"/>
+          </a:p>
+          <a:p>
+            <a:pPr lvl="0"/>
+            <a:r>
+              <a:rPr lang="ru-RU" dirty="0"/>
+              <a:t>Пошаговая инструкция подачи документов онлайн</a:t>
+            </a:r>
+            <a:endParaRPr lang="ru-RU" sz="1600" dirty="0"/>
+          </a:p>
+          <a:p>
+            <a:pPr lvl="0"/>
+            <a:r>
+              <a:rPr lang="ru-RU" dirty="0"/>
+              <a:t>Информация о общежитии выбранного института</a:t>
+            </a:r>
+            <a:endParaRPr lang="ru-RU" sz="1600" dirty="0"/>
+          </a:p>
+          <a:p>
+            <a:endParaRPr lang="ru-RU" dirty="0"/>
           </a:p>
         </p:txBody>
       </p:sp>
@@ -7222,7 +8282,7 @@
           <p:cNvPr id="4" name="Номер слайда 3">
             <a:extLst>
               <a:ext uri="{FF2B5EF4-FFF2-40B4-BE49-F238E27FC236}">
-                <a16:creationId xmlns:a16="http://schemas.microsoft.com/office/drawing/2014/main" id="{E870FEA6-CCAE-45C4-A959-B5F40026297D}"/>
+                <a16:creationId xmlns:a16="http://schemas.microsoft.com/office/drawing/2014/main" id="{3B5E47BB-3378-4644-A88E-C6BB2014B116}"/>
               </a:ext>
             </a:extLst>
           </p:cNvPr>
@@ -7235,7 +8295,7 @@
         </p:nvSpPr>
         <p:spPr>
           <a:xfrm>
-            <a:off x="10174654" y="6272633"/>
+            <a:off x="10174654" y="6272632"/>
             <a:ext cx="1596292" cy="404614"/>
           </a:xfrm>
         </p:spPr>
@@ -7251,132 +8311,10 @@
           </a:p>
         </p:txBody>
       </p:sp>
-      <p:sp>
-        <p:nvSpPr>
-          <p:cNvPr id="7" name="Объект 6">
-            <a:extLst>
-              <a:ext uri="{FF2B5EF4-FFF2-40B4-BE49-F238E27FC236}">
-                <a16:creationId xmlns:a16="http://schemas.microsoft.com/office/drawing/2014/main" id="{0BE3EDAF-0289-4B4C-BA4A-C460A583BE2F}"/>
-              </a:ext>
-            </a:extLst>
-          </p:cNvPr>
-          <p:cNvSpPr>
-            <a:spLocks noGrp="1"/>
-          </p:cNvSpPr>
-          <p:nvPr>
-            <p:ph idx="1"/>
-          </p:nvPr>
-        </p:nvSpPr>
-        <p:spPr/>
-        <p:txBody>
-          <a:bodyPr>
-            <a:normAutofit/>
-          </a:bodyPr>
-          <a:lstStyle/>
-          <a:p>
-            <a:r>
-              <a:rPr lang="en-US" sz="3000" dirty="0"/>
-              <a:t>Node </a:t>
-            </a:r>
-            <a:r>
-              <a:rPr lang="en-US" sz="3000" dirty="0" err="1"/>
-              <a:t>js</a:t>
-            </a:r>
-            <a:r>
-              <a:rPr lang="en-US" sz="3000" dirty="0"/>
-              <a:t> </a:t>
-            </a:r>
-          </a:p>
-          <a:p>
-            <a:r>
-              <a:rPr lang="en-US" sz="3000" dirty="0"/>
-              <a:t>Node-telegram-bot-</a:t>
-            </a:r>
-            <a:r>
-              <a:rPr lang="en-US" sz="3000" dirty="0" err="1"/>
-              <a:t>api</a:t>
-            </a:r>
-            <a:r>
-              <a:rPr lang="en-US" sz="3000" dirty="0"/>
-              <a:t> – </a:t>
-            </a:r>
-            <a:r>
-              <a:rPr lang="ru-RU" sz="3000" dirty="0"/>
-              <a:t>библиотека для </a:t>
-            </a:r>
-            <a:r>
-              <a:rPr lang="en-US" sz="3000" dirty="0"/>
-              <a:t>node</a:t>
-            </a:r>
-          </a:p>
-          <a:p>
-            <a:r>
-              <a:rPr lang="en-US" sz="3000" dirty="0"/>
-              <a:t>Cheer </a:t>
-            </a:r>
-            <a:r>
-              <a:rPr lang="en-US" sz="3000" dirty="0" err="1"/>
-              <a:t>io</a:t>
-            </a:r>
-            <a:r>
-              <a:rPr lang="en-US" sz="3000" dirty="0"/>
-              <a:t> – </a:t>
-            </a:r>
-            <a:r>
-              <a:rPr lang="ru-RU" sz="3000" dirty="0"/>
-              <a:t>парсер </a:t>
-            </a:r>
-            <a:r>
-              <a:rPr lang="en-US" sz="3000" dirty="0"/>
-              <a:t>html </a:t>
-            </a:r>
-            <a:r>
-              <a:rPr lang="ru-RU" sz="3000" dirty="0"/>
-              <a:t>для </a:t>
-            </a:r>
-            <a:r>
-              <a:rPr lang="en-US" sz="3000" dirty="0"/>
-              <a:t>node</a:t>
-            </a:r>
-          </a:p>
-          <a:p>
-            <a:r>
-              <a:rPr lang="en-US" sz="3000" dirty="0"/>
-              <a:t>Docx-parser – </a:t>
-            </a:r>
-            <a:r>
-              <a:rPr lang="ru-RU" sz="3000" dirty="0"/>
-              <a:t>парсер </a:t>
-            </a:r>
-            <a:r>
-              <a:rPr lang="en-US" sz="3000" dirty="0"/>
-              <a:t>word </a:t>
-            </a:r>
-            <a:r>
-              <a:rPr lang="ru-RU" sz="3000" dirty="0"/>
-              <a:t>документов</a:t>
-            </a:r>
-          </a:p>
-          <a:p>
-            <a:r>
-              <a:rPr lang="en-US" sz="3000" dirty="0"/>
-              <a:t>Pm2</a:t>
-            </a:r>
-            <a:r>
-              <a:rPr lang="ru-RU" sz="3000" dirty="0"/>
-              <a:t> – линукс процесс менеджер для </a:t>
-            </a:r>
-            <a:r>
-              <a:rPr lang="en-US" sz="3000" dirty="0"/>
-              <a:t>node</a:t>
-            </a:r>
-          </a:p>
-        </p:txBody>
-      </p:sp>
     </p:spTree>
     <p:extLst>
       <p:ext uri="{BB962C8B-B14F-4D97-AF65-F5344CB8AC3E}">
-        <p14:creationId xmlns:p14="http://schemas.microsoft.com/office/powerpoint/2010/main" val="4290014039"/>
+        <p14:creationId xmlns:p14="http://schemas.microsoft.com/office/powerpoint/2010/main" val="6538499"/>
       </p:ext>
     </p:extLst>
   </p:cSld>

--- a/Чат-бот абитуриента.pptx
+++ b/Чат-бот абитуриента.pptx
@@ -5529,7 +5529,12 @@
             <p:ph type="title"/>
           </p:nvPr>
         </p:nvSpPr>
-        <p:spPr/>
+        <p:spPr>
+          <a:xfrm>
+            <a:off x="669682" y="132907"/>
+            <a:ext cx="9601200" cy="1485900"/>
+          </a:xfrm>
+        </p:spPr>
         <p:txBody>
           <a:bodyPr/>
           <a:lstStyle/>
@@ -5571,7 +5576,7 @@
         </p:nvSpPr>
         <p:spPr>
           <a:xfrm>
-            <a:off x="1371600" y="1428750"/>
+            <a:off x="842229" y="397392"/>
             <a:ext cx="9601200" cy="3581400"/>
           </a:xfrm>
         </p:spPr>
@@ -5794,10 +5799,10 @@
       </p:sp>
       <p:pic>
         <p:nvPicPr>
-          <p:cNvPr id="5" name="Рисунок 4">
+          <p:cNvPr id="6" name="Рисунок 5">
             <a:extLst>
               <a:ext uri="{FF2B5EF4-FFF2-40B4-BE49-F238E27FC236}">
-                <a16:creationId xmlns:a16="http://schemas.microsoft.com/office/drawing/2014/main" id="{E36DA254-C5FF-420C-91C8-2056F993F306}"/>
+                <a16:creationId xmlns:a16="http://schemas.microsoft.com/office/drawing/2014/main" id="{5F0BEEEE-6D2C-480E-B127-9B2562411BB6}"/>
               </a:ext>
             </a:extLst>
           </p:cNvPr>
@@ -5814,8 +5819,8 @@
         </p:blipFill>
         <p:spPr>
           <a:xfrm>
-            <a:off x="1010786" y="4477548"/>
-            <a:ext cx="10322827" cy="631424"/>
+            <a:off x="1022982" y="3043462"/>
+            <a:ext cx="10507541" cy="3134162"/>
           </a:xfrm>
           <a:prstGeom prst="rect">
             <a:avLst/>
@@ -6821,7 +6826,15 @@
             </a:r>
             <a:r>
               <a:rPr lang="ru-RU" dirty="0"/>
-              <a:t> создание плана работ </a:t>
+              <a:t> создание плана работ</a:t>
+            </a:r>
+            <a:r>
+              <a:rPr lang="en-US" dirty="0"/>
+              <a:t>, </a:t>
+            </a:r>
+            <a:r>
+              <a:rPr lang="ru-RU" dirty="0"/>
+              <a:t>написание ТЗ </a:t>
             </a:r>
           </a:p>
           <a:p>
@@ -6994,7 +7007,7 @@
         <p:spPr/>
         <p:txBody>
           <a:bodyPr>
-            <a:normAutofit/>
+            <a:normAutofit lnSpcReduction="10000"/>
           </a:bodyPr>
           <a:lstStyle/>
           <a:p>
@@ -7014,6 +7027,13 @@
             <a:r>
               <a:rPr lang="ru-RU" sz="3000" dirty="0"/>
               <a:t>Выполнен макет веб-интерфейса</a:t>
+            </a:r>
+            <a:endParaRPr lang="en-US" sz="3000" dirty="0"/>
+          </a:p>
+          <a:p>
+            <a:r>
+              <a:rPr lang="ru-RU" sz="3000" dirty="0"/>
+              <a:t>Написано техническое задание</a:t>
             </a:r>
           </a:p>
           <a:p>
